--- a/access/blueprint.pptx
+++ b/access/blueprint.pptx
@@ -6,6 +6,7 @@
   </p:sldMasterIdLst>
   <p:sldIdLst>
     <p:sldId id="256" r:id="rId2"/>
+    <p:sldId id="257" r:id="rId3"/>
   </p:sldIdLst>
   <p:sldSz cx="12192000" cy="6858000"/>
   <p:notesSz cx="6858000" cy="9144000"/>
@@ -241,7 +242,7 @@
           <a:p>
             <a:fld id="{D997B5FA-0921-464F-AAE1-844C04324D75}" type="datetimeFigureOut">
               <a:rPr lang="zh-CN" altLang="en-US" smtClean="0"/>
-              <a:t>2025/3/11</a:t>
+              <a:t>2025/3/17</a:t>
             </a:fld>
             <a:endParaRPr lang="zh-CN" altLang="en-US"/>
           </a:p>
@@ -404,7 +405,7 @@
           <a:p>
             <a:fld id="{D997B5FA-0921-464F-AAE1-844C04324D75}" type="datetimeFigureOut">
               <a:rPr lang="zh-CN" altLang="en-US" smtClean="0"/>
-              <a:t>2025/3/11</a:t>
+              <a:t>2025/3/17</a:t>
             </a:fld>
             <a:endParaRPr lang="zh-CN" altLang="en-US"/>
           </a:p>
@@ -577,7 +578,7 @@
           <a:p>
             <a:fld id="{D997B5FA-0921-464F-AAE1-844C04324D75}" type="datetimeFigureOut">
               <a:rPr lang="zh-CN" altLang="en-US" smtClean="0"/>
-              <a:t>2025/3/11</a:t>
+              <a:t>2025/3/17</a:t>
             </a:fld>
             <a:endParaRPr lang="zh-CN" altLang="en-US"/>
           </a:p>
@@ -740,7 +741,7 @@
           <a:p>
             <a:fld id="{D997B5FA-0921-464F-AAE1-844C04324D75}" type="datetimeFigureOut">
               <a:rPr lang="zh-CN" altLang="en-US" smtClean="0"/>
-              <a:t>2025/3/11</a:t>
+              <a:t>2025/3/17</a:t>
             </a:fld>
             <a:endParaRPr lang="zh-CN" altLang="en-US"/>
           </a:p>
@@ -980,7 +981,7 @@
           <a:p>
             <a:fld id="{D997B5FA-0921-464F-AAE1-844C04324D75}" type="datetimeFigureOut">
               <a:rPr lang="zh-CN" altLang="en-US" smtClean="0"/>
-              <a:t>2025/3/11</a:t>
+              <a:t>2025/3/17</a:t>
             </a:fld>
             <a:endParaRPr lang="zh-CN" altLang="en-US"/>
           </a:p>
@@ -1204,7 +1205,7 @@
           <a:p>
             <a:fld id="{D997B5FA-0921-464F-AAE1-844C04324D75}" type="datetimeFigureOut">
               <a:rPr lang="zh-CN" altLang="en-US" smtClean="0"/>
-              <a:t>2025/3/11</a:t>
+              <a:t>2025/3/17</a:t>
             </a:fld>
             <a:endParaRPr lang="zh-CN" altLang="en-US"/>
           </a:p>
@@ -1563,7 +1564,7 @@
           <a:p>
             <a:fld id="{D997B5FA-0921-464F-AAE1-844C04324D75}" type="datetimeFigureOut">
               <a:rPr lang="zh-CN" altLang="en-US" smtClean="0"/>
-              <a:t>2025/3/11</a:t>
+              <a:t>2025/3/17</a:t>
             </a:fld>
             <a:endParaRPr lang="zh-CN" altLang="en-US"/>
           </a:p>
@@ -1675,7 +1676,7 @@
           <a:p>
             <a:fld id="{D997B5FA-0921-464F-AAE1-844C04324D75}" type="datetimeFigureOut">
               <a:rPr lang="zh-CN" altLang="en-US" smtClean="0"/>
-              <a:t>2025/3/11</a:t>
+              <a:t>2025/3/17</a:t>
             </a:fld>
             <a:endParaRPr lang="zh-CN" altLang="en-US"/>
           </a:p>
@@ -1765,7 +1766,7 @@
           <a:p>
             <a:fld id="{D997B5FA-0921-464F-AAE1-844C04324D75}" type="datetimeFigureOut">
               <a:rPr lang="zh-CN" altLang="en-US" smtClean="0"/>
-              <a:t>2025/3/11</a:t>
+              <a:t>2025/3/17</a:t>
             </a:fld>
             <a:endParaRPr lang="zh-CN" altLang="en-US"/>
           </a:p>
@@ -2035,7 +2036,7 @@
           <a:p>
             <a:fld id="{D997B5FA-0921-464F-AAE1-844C04324D75}" type="datetimeFigureOut">
               <a:rPr lang="zh-CN" altLang="en-US" smtClean="0"/>
-              <a:t>2025/3/11</a:t>
+              <a:t>2025/3/17</a:t>
             </a:fld>
             <a:endParaRPr lang="zh-CN" altLang="en-US"/>
           </a:p>
@@ -2282,7 +2283,7 @@
           <a:p>
             <a:fld id="{D997B5FA-0921-464F-AAE1-844C04324D75}" type="datetimeFigureOut">
               <a:rPr lang="zh-CN" altLang="en-US" smtClean="0"/>
-              <a:t>2025/3/11</a:t>
+              <a:t>2025/3/17</a:t>
             </a:fld>
             <a:endParaRPr lang="zh-CN" altLang="en-US"/>
           </a:p>
@@ -2488,7 +2489,7 @@
           <a:p>
             <a:fld id="{D997B5FA-0921-464F-AAE1-844C04324D75}" type="datetimeFigureOut">
               <a:rPr lang="zh-CN" altLang="en-US" smtClean="0"/>
-              <a:t>2025/3/11</a:t>
+              <a:t>2025/3/17</a:t>
             </a:fld>
             <a:endParaRPr lang="zh-CN" altLang="en-US"/>
           </a:p>
@@ -2902,7 +2903,7 @@
         </p:nvSpPr>
         <p:spPr>
           <a:xfrm>
-            <a:off x="2636042" y="1798185"/>
+            <a:off x="1267685" y="1065368"/>
             <a:ext cx="1067921" cy="369332"/>
           </a:xfrm>
           <a:prstGeom prst="rect">
@@ -2938,7 +2939,7 @@
         </p:nvGrpSpPr>
         <p:grpSpPr>
           <a:xfrm>
-            <a:off x="5225849" y="1616602"/>
+            <a:off x="2712586" y="1616601"/>
             <a:ext cx="2257305" cy="2736957"/>
             <a:chOff x="5225849" y="1616602"/>
             <a:chExt cx="2257305" cy="2736957"/>
@@ -4109,6 +4110,1732 @@
 </p:sld>
 </file>
 
+<file path=ppt/slides/slide2.xml><?xml version="1.0" encoding="utf-8"?>
+<p:sld xmlns:a="http://schemas.openxmlformats.org/drawingml/2006/main" xmlns:r="http://schemas.openxmlformats.org/officeDocument/2006/relationships" xmlns:p="http://schemas.openxmlformats.org/presentationml/2006/main">
+  <p:cSld>
+    <p:spTree>
+      <p:nvGrpSpPr>
+        <p:cNvPr id="1" name="">
+          <a:extLst>
+            <a:ext uri="{FF2B5EF4-FFF2-40B4-BE49-F238E27FC236}">
+              <a16:creationId xmlns:a16="http://schemas.microsoft.com/office/drawing/2014/main" id="{F0224EE2-6323-BC76-54B4-470BBB987AB0}"/>
+            </a:ext>
+          </a:extLst>
+        </p:cNvPr>
+        <p:cNvGrpSpPr/>
+        <p:nvPr/>
+      </p:nvGrpSpPr>
+      <p:grpSpPr>
+        <a:xfrm>
+          <a:off x="0" y="0"/>
+          <a:ext cx="0" cy="0"/>
+          <a:chOff x="0" y="0"/>
+          <a:chExt cx="0" cy="0"/>
+        </a:xfrm>
+      </p:grpSpPr>
+      <p:grpSp>
+        <p:nvGrpSpPr>
+          <p:cNvPr id="14" name="组合 13">
+            <a:extLst>
+              <a:ext uri="{FF2B5EF4-FFF2-40B4-BE49-F238E27FC236}">
+                <a16:creationId xmlns:a16="http://schemas.microsoft.com/office/drawing/2014/main" id="{3E9D389D-9623-BB0F-43CD-A88DCA319DDD}"/>
+              </a:ext>
+            </a:extLst>
+          </p:cNvPr>
+          <p:cNvGrpSpPr/>
+          <p:nvPr/>
+        </p:nvGrpSpPr>
+        <p:grpSpPr>
+          <a:xfrm>
+            <a:off x="2712586" y="1616601"/>
+            <a:ext cx="4820406" cy="2736957"/>
+            <a:chOff x="2712586" y="1616601"/>
+            <a:chExt cx="4820406" cy="2736957"/>
+          </a:xfrm>
+        </p:grpSpPr>
+        <p:grpSp>
+          <p:nvGrpSpPr>
+            <p:cNvPr id="11" name="组合 10">
+              <a:extLst>
+                <a:ext uri="{FF2B5EF4-FFF2-40B4-BE49-F238E27FC236}">
+                  <a16:creationId xmlns:a16="http://schemas.microsoft.com/office/drawing/2014/main" id="{9407836A-A059-840D-CE0D-92720A1686B9}"/>
+                </a:ext>
+              </a:extLst>
+            </p:cNvPr>
+            <p:cNvGrpSpPr/>
+            <p:nvPr/>
+          </p:nvGrpSpPr>
+          <p:grpSpPr>
+            <a:xfrm>
+              <a:off x="2712586" y="1616601"/>
+              <a:ext cx="2257305" cy="2736957"/>
+              <a:chOff x="2712586" y="1616601"/>
+              <a:chExt cx="2257305" cy="2736957"/>
+            </a:xfrm>
+          </p:grpSpPr>
+          <p:sp>
+            <p:nvSpPr>
+              <p:cNvPr id="2" name="矩形: 圆角 1">
+                <a:extLst>
+                  <a:ext uri="{FF2B5EF4-FFF2-40B4-BE49-F238E27FC236}">
+                    <a16:creationId xmlns:a16="http://schemas.microsoft.com/office/drawing/2014/main" id="{8D902742-9283-F4F9-AF28-2AEDB22332F7}"/>
+                  </a:ext>
+                </a:extLst>
+              </p:cNvPr>
+              <p:cNvSpPr>
+                <a:spLocks/>
+              </p:cNvSpPr>
+              <p:nvPr/>
+            </p:nvSpPr>
+            <p:spPr>
+              <a:xfrm>
+                <a:off x="2712586" y="1616601"/>
+                <a:ext cx="2257305" cy="2736957"/>
+              </a:xfrm>
+              <a:prstGeom prst="roundRect">
+                <a:avLst>
+                  <a:gd name="adj" fmla="val 3252"/>
+                </a:avLst>
+              </a:prstGeom>
+              <a:solidFill>
+                <a:schemeClr val="accent5">
+                  <a:lumMod val="75000"/>
+                </a:schemeClr>
+              </a:solidFill>
+              <a:ln>
+                <a:noFill/>
+              </a:ln>
+            </p:spPr>
+            <p:style>
+              <a:lnRef idx="2">
+                <a:schemeClr val="accent1">
+                  <a:shade val="15000"/>
+                </a:schemeClr>
+              </a:lnRef>
+              <a:fillRef idx="1">
+                <a:schemeClr val="accent1"/>
+              </a:fillRef>
+              <a:effectRef idx="0">
+                <a:schemeClr val="accent1"/>
+              </a:effectRef>
+              <a:fontRef idx="minor">
+                <a:schemeClr val="lt1"/>
+              </a:fontRef>
+            </p:style>
+            <p:txBody>
+              <a:bodyPr rtlCol="0" anchor="ctr"/>
+              <a:lstStyle/>
+              <a:p>
+                <a:pPr algn="ctr"/>
+                <a:endParaRPr lang="zh-CN" altLang="en-US"/>
+              </a:p>
+            </p:txBody>
+          </p:sp>
+          <p:sp>
+            <p:nvSpPr>
+              <p:cNvPr id="27" name="文本框 26">
+                <a:extLst>
+                  <a:ext uri="{FF2B5EF4-FFF2-40B4-BE49-F238E27FC236}">
+                    <a16:creationId xmlns:a16="http://schemas.microsoft.com/office/drawing/2014/main" id="{5D38541A-E3B7-52A5-8D6C-E58AE2EE9547}"/>
+                  </a:ext>
+                </a:extLst>
+              </p:cNvPr>
+              <p:cNvSpPr txBox="1"/>
+              <p:nvPr/>
+            </p:nvSpPr>
+            <p:spPr>
+              <a:xfrm>
+                <a:off x="2915090" y="2279079"/>
+                <a:ext cx="876682" cy="276999"/>
+              </a:xfrm>
+              <a:prstGeom prst="rect">
+                <a:avLst/>
+              </a:prstGeom>
+              <a:noFill/>
+            </p:spPr>
+            <p:txBody>
+              <a:bodyPr wrap="square">
+                <a:spAutoFit/>
+              </a:bodyPr>
+              <a:lstStyle/>
+              <a:p>
+                <a:pPr algn="r"/>
+                <a:r>
+                  <a:rPr lang="en-US" altLang="zh-CN" sz="1200" b="1" dirty="0">
+                    <a:solidFill>
+                      <a:schemeClr val="bg1"/>
+                    </a:solidFill>
+                    <a:effectLst/>
+                    <a:latin typeface="Arial" panose="020B0604020202020204" pitchFamily="34" charset="0"/>
+                  </a:rPr>
+                  <a:t>Delay</a:t>
+                </a:r>
+                <a:r>
+                  <a:rPr lang="en-US" altLang="zh-CN" sz="1200" b="1" dirty="0">
+                    <a:solidFill>
+                      <a:schemeClr val="bg1"/>
+                    </a:solidFill>
+                    <a:latin typeface="Arial" panose="020B0604020202020204" pitchFamily="34" charset="0"/>
+                  </a:rPr>
+                  <a:t>:</a:t>
+                </a:r>
+                <a:endParaRPr lang="en-US" altLang="zh-CN" sz="1200" b="1" dirty="0">
+                  <a:solidFill>
+                    <a:schemeClr val="bg1"/>
+                  </a:solidFill>
+                  <a:effectLst/>
+                  <a:latin typeface="Arial" panose="020B0604020202020204" pitchFamily="34" charset="0"/>
+                </a:endParaRPr>
+              </a:p>
+            </p:txBody>
+          </p:sp>
+          <p:sp>
+            <p:nvSpPr>
+              <p:cNvPr id="29" name="矩形: 圆角 28">
+                <a:extLst>
+                  <a:ext uri="{FF2B5EF4-FFF2-40B4-BE49-F238E27FC236}">
+                    <a16:creationId xmlns:a16="http://schemas.microsoft.com/office/drawing/2014/main" id="{D756EF97-C67D-7218-F80A-8747CE605E89}"/>
+                  </a:ext>
+                </a:extLst>
+              </p:cNvPr>
+              <p:cNvSpPr>
+                <a:spLocks/>
+              </p:cNvSpPr>
+              <p:nvPr/>
+            </p:nvSpPr>
+            <p:spPr>
+              <a:xfrm>
+                <a:off x="3854066" y="2311091"/>
+                <a:ext cx="844086" cy="237293"/>
+              </a:xfrm>
+              <a:prstGeom prst="roundRect">
+                <a:avLst>
+                  <a:gd name="adj" fmla="val 12161"/>
+                </a:avLst>
+              </a:prstGeom>
+              <a:solidFill>
+                <a:schemeClr val="accent5">
+                  <a:lumMod val="60000"/>
+                  <a:lumOff val="40000"/>
+                </a:schemeClr>
+              </a:solidFill>
+              <a:ln>
+                <a:noFill/>
+              </a:ln>
+            </p:spPr>
+            <p:style>
+              <a:lnRef idx="2">
+                <a:schemeClr val="accent1">
+                  <a:shade val="15000"/>
+                </a:schemeClr>
+              </a:lnRef>
+              <a:fillRef idx="1">
+                <a:schemeClr val="accent1"/>
+              </a:fillRef>
+              <a:effectRef idx="0">
+                <a:schemeClr val="accent1"/>
+              </a:effectRef>
+              <a:fontRef idx="minor">
+                <a:schemeClr val="lt1"/>
+              </a:fontRef>
+            </p:style>
+            <p:txBody>
+              <a:bodyPr rtlCol="0" anchor="ctr"/>
+              <a:lstStyle/>
+              <a:p>
+                <a:pPr algn="ctr"/>
+                <a:r>
+                  <a:rPr lang="en-US" altLang="zh-CN" sz="1400" dirty="0">
+                    <a:solidFill>
+                      <a:schemeClr val="accent5">
+                        <a:lumMod val="50000"/>
+                      </a:schemeClr>
+                    </a:solidFill>
+                  </a:rPr>
+                  <a:t>0.0s</a:t>
+                </a:r>
+                <a:endParaRPr lang="zh-CN" altLang="en-US" sz="1400" dirty="0">
+                  <a:solidFill>
+                    <a:schemeClr val="accent5">
+                      <a:lumMod val="50000"/>
+                    </a:schemeClr>
+                  </a:solidFill>
+                </a:endParaRPr>
+              </a:p>
+            </p:txBody>
+          </p:sp>
+          <p:sp>
+            <p:nvSpPr>
+              <p:cNvPr id="41" name="矩形: 圆角 40">
+                <a:extLst>
+                  <a:ext uri="{FF2B5EF4-FFF2-40B4-BE49-F238E27FC236}">
+                    <a16:creationId xmlns:a16="http://schemas.microsoft.com/office/drawing/2014/main" id="{71137D4F-C3AE-DDCD-5515-786DF68159E3}"/>
+                  </a:ext>
+                </a:extLst>
+              </p:cNvPr>
+              <p:cNvSpPr>
+                <a:spLocks/>
+              </p:cNvSpPr>
+              <p:nvPr/>
+            </p:nvSpPr>
+            <p:spPr>
+              <a:xfrm>
+                <a:off x="3240963" y="3904031"/>
+                <a:ext cx="1148080" cy="327455"/>
+              </a:xfrm>
+              <a:prstGeom prst="roundRect">
+                <a:avLst>
+                  <a:gd name="adj" fmla="val 12161"/>
+                </a:avLst>
+              </a:prstGeom>
+              <a:solidFill>
+                <a:schemeClr val="accent5">
+                  <a:lumMod val="60000"/>
+                  <a:lumOff val="40000"/>
+                </a:schemeClr>
+              </a:solidFill>
+              <a:ln>
+                <a:noFill/>
+              </a:ln>
+            </p:spPr>
+            <p:style>
+              <a:lnRef idx="2">
+                <a:schemeClr val="accent1">
+                  <a:shade val="15000"/>
+                </a:schemeClr>
+              </a:lnRef>
+              <a:fillRef idx="1">
+                <a:schemeClr val="accent1"/>
+              </a:fillRef>
+              <a:effectRef idx="0">
+                <a:schemeClr val="accent1"/>
+              </a:effectRef>
+              <a:fontRef idx="minor">
+                <a:schemeClr val="lt1"/>
+              </a:fontRef>
+            </p:style>
+            <p:txBody>
+              <a:bodyPr rtlCol="0" anchor="ctr"/>
+              <a:lstStyle/>
+              <a:p>
+                <a:pPr algn="ctr"/>
+                <a:r>
+                  <a:rPr lang="en-US" altLang="zh-CN" sz="1400" b="1" dirty="0">
+                    <a:solidFill>
+                      <a:schemeClr val="accent5">
+                        <a:lumMod val="50000"/>
+                      </a:schemeClr>
+                    </a:solidFill>
+                    <a:latin typeface="MiSans" panose="00000500000000000000" pitchFamily="2" charset="-122"/>
+                    <a:ea typeface="MiSans" panose="00000500000000000000" pitchFamily="2" charset="-122"/>
+                  </a:rPr>
+                  <a:t>Start</a:t>
+                </a:r>
+                <a:endParaRPr lang="zh-CN" altLang="en-US" sz="1400" b="1" dirty="0">
+                  <a:solidFill>
+                    <a:schemeClr val="accent5">
+                      <a:lumMod val="50000"/>
+                    </a:schemeClr>
+                  </a:solidFill>
+                  <a:latin typeface="MiSans" panose="00000500000000000000" pitchFamily="2" charset="-122"/>
+                  <a:ea typeface="MiSans" panose="00000500000000000000" pitchFamily="2" charset="-122"/>
+                </a:endParaRPr>
+              </a:p>
+            </p:txBody>
+          </p:sp>
+          <p:sp>
+            <p:nvSpPr>
+              <p:cNvPr id="43" name="文本框 42">
+                <a:extLst>
+                  <a:ext uri="{FF2B5EF4-FFF2-40B4-BE49-F238E27FC236}">
+                    <a16:creationId xmlns:a16="http://schemas.microsoft.com/office/drawing/2014/main" id="{C0ADB859-C2B5-B217-0401-D639FD8E70E6}"/>
+                  </a:ext>
+                </a:extLst>
+              </p:cNvPr>
+              <p:cNvSpPr txBox="1"/>
+              <p:nvPr/>
+            </p:nvSpPr>
+            <p:spPr>
+              <a:xfrm>
+                <a:off x="2759128" y="2659547"/>
+                <a:ext cx="1032644" cy="276999"/>
+              </a:xfrm>
+              <a:prstGeom prst="rect">
+                <a:avLst/>
+              </a:prstGeom>
+              <a:noFill/>
+            </p:spPr>
+            <p:txBody>
+              <a:bodyPr wrap="square">
+                <a:spAutoFit/>
+              </a:bodyPr>
+              <a:lstStyle/>
+              <a:p>
+                <a:pPr algn="r"/>
+                <a:r>
+                  <a:rPr lang="en-US" altLang="zh-CN" sz="1200" b="1" dirty="0">
+                    <a:solidFill>
+                      <a:schemeClr val="bg1"/>
+                    </a:solidFill>
+                    <a:latin typeface="Arial" panose="020B0604020202020204" pitchFamily="34" charset="0"/>
+                  </a:rPr>
+                  <a:t>Hotkey:</a:t>
+                </a:r>
+              </a:p>
+            </p:txBody>
+          </p:sp>
+          <p:sp>
+            <p:nvSpPr>
+              <p:cNvPr id="44" name="矩形: 圆角 43">
+                <a:extLst>
+                  <a:ext uri="{FF2B5EF4-FFF2-40B4-BE49-F238E27FC236}">
+                    <a16:creationId xmlns:a16="http://schemas.microsoft.com/office/drawing/2014/main" id="{F062DAB3-91EE-1E1B-A952-65165D150CBF}"/>
+                  </a:ext>
+                </a:extLst>
+              </p:cNvPr>
+              <p:cNvSpPr>
+                <a:spLocks/>
+              </p:cNvSpPr>
+              <p:nvPr/>
+            </p:nvSpPr>
+            <p:spPr>
+              <a:xfrm>
+                <a:off x="3844706" y="2699253"/>
+                <a:ext cx="844086" cy="237293"/>
+              </a:xfrm>
+              <a:prstGeom prst="roundRect">
+                <a:avLst>
+                  <a:gd name="adj" fmla="val 12161"/>
+                </a:avLst>
+              </a:prstGeom>
+              <a:solidFill>
+                <a:schemeClr val="accent5">
+                  <a:lumMod val="60000"/>
+                  <a:lumOff val="40000"/>
+                </a:schemeClr>
+              </a:solidFill>
+              <a:ln>
+                <a:noFill/>
+              </a:ln>
+            </p:spPr>
+            <p:style>
+              <a:lnRef idx="2">
+                <a:schemeClr val="accent1">
+                  <a:shade val="15000"/>
+                </a:schemeClr>
+              </a:lnRef>
+              <a:fillRef idx="1">
+                <a:schemeClr val="accent1"/>
+              </a:fillRef>
+              <a:effectRef idx="0">
+                <a:schemeClr val="accent1"/>
+              </a:effectRef>
+              <a:fontRef idx="minor">
+                <a:schemeClr val="lt1"/>
+              </a:fontRef>
+            </p:style>
+            <p:txBody>
+              <a:bodyPr rtlCol="0" anchor="ctr"/>
+              <a:lstStyle/>
+              <a:p>
+                <a:pPr algn="ctr"/>
+                <a:endParaRPr lang="zh-CN" altLang="en-US" sz="1400" dirty="0">
+                  <a:solidFill>
+                    <a:schemeClr val="accent5">
+                      <a:lumMod val="50000"/>
+                    </a:schemeClr>
+                  </a:solidFill>
+                </a:endParaRPr>
+              </a:p>
+            </p:txBody>
+          </p:sp>
+          <p:grpSp>
+            <p:nvGrpSpPr>
+              <p:cNvPr id="47" name="组合 46">
+                <a:extLst>
+                  <a:ext uri="{FF2B5EF4-FFF2-40B4-BE49-F238E27FC236}">
+                    <a16:creationId xmlns:a16="http://schemas.microsoft.com/office/drawing/2014/main" id="{739B88D9-61B2-ECE3-32F4-8F21D8E1B430}"/>
+                  </a:ext>
+                </a:extLst>
+              </p:cNvPr>
+              <p:cNvGrpSpPr/>
+              <p:nvPr/>
+            </p:nvGrpSpPr>
+            <p:grpSpPr>
+              <a:xfrm>
+                <a:off x="2712586" y="1616602"/>
+                <a:ext cx="2257305" cy="478760"/>
+                <a:chOff x="2712586" y="1616602"/>
+                <a:chExt cx="2257305" cy="478760"/>
+              </a:xfrm>
+            </p:grpSpPr>
+            <p:sp>
+              <p:nvSpPr>
+                <p:cNvPr id="7" name="矩形: 圆角 6">
+                  <a:extLst>
+                    <a:ext uri="{FF2B5EF4-FFF2-40B4-BE49-F238E27FC236}">
+                      <a16:creationId xmlns:a16="http://schemas.microsoft.com/office/drawing/2014/main" id="{3BA6DB2C-709C-7AD7-F9E2-E563187A0B68}"/>
+                    </a:ext>
+                  </a:extLst>
+                </p:cNvPr>
+                <p:cNvSpPr>
+                  <a:spLocks/>
+                </p:cNvSpPr>
+                <p:nvPr/>
+              </p:nvSpPr>
+              <p:spPr>
+                <a:xfrm>
+                  <a:off x="2712586" y="1616602"/>
+                  <a:ext cx="2257305" cy="428140"/>
+                </a:xfrm>
+                <a:prstGeom prst="roundRect">
+                  <a:avLst>
+                    <a:gd name="adj" fmla="val 12161"/>
+                  </a:avLst>
+                </a:prstGeom>
+                <a:solidFill>
+                  <a:schemeClr val="accent5">
+                    <a:lumMod val="60000"/>
+                    <a:lumOff val="40000"/>
+                  </a:schemeClr>
+                </a:solidFill>
+                <a:ln>
+                  <a:noFill/>
+                </a:ln>
+              </p:spPr>
+              <p:style>
+                <a:lnRef idx="2">
+                  <a:schemeClr val="accent1">
+                    <a:shade val="15000"/>
+                  </a:schemeClr>
+                </a:lnRef>
+                <a:fillRef idx="1">
+                  <a:schemeClr val="accent1"/>
+                </a:fillRef>
+                <a:effectRef idx="0">
+                  <a:schemeClr val="accent1"/>
+                </a:effectRef>
+                <a:fontRef idx="minor">
+                  <a:schemeClr val="lt1"/>
+                </a:fontRef>
+              </p:style>
+              <p:txBody>
+                <a:bodyPr rtlCol="0" anchor="ctr"/>
+                <a:lstStyle/>
+                <a:p>
+                  <a:pPr algn="ctr"/>
+                  <a:endParaRPr lang="zh-CN" altLang="en-US" dirty="0"/>
+                </a:p>
+              </p:txBody>
+            </p:sp>
+            <p:sp>
+              <p:nvSpPr>
+                <p:cNvPr id="46" name="矩形: 圆角 45">
+                  <a:extLst>
+                    <a:ext uri="{FF2B5EF4-FFF2-40B4-BE49-F238E27FC236}">
+                      <a16:creationId xmlns:a16="http://schemas.microsoft.com/office/drawing/2014/main" id="{14F94FB6-41A1-0227-2EEB-491B820A3130}"/>
+                    </a:ext>
+                  </a:extLst>
+                </p:cNvPr>
+                <p:cNvSpPr>
+                  <a:spLocks/>
+                </p:cNvSpPr>
+                <p:nvPr/>
+              </p:nvSpPr>
+              <p:spPr>
+                <a:xfrm>
+                  <a:off x="2712586" y="1717275"/>
+                  <a:ext cx="2257305" cy="378087"/>
+                </a:xfrm>
+                <a:prstGeom prst="roundRect">
+                  <a:avLst>
+                    <a:gd name="adj" fmla="val 0"/>
+                  </a:avLst>
+                </a:prstGeom>
+                <a:solidFill>
+                  <a:schemeClr val="accent5">
+                    <a:lumMod val="60000"/>
+                    <a:lumOff val="40000"/>
+                  </a:schemeClr>
+                </a:solidFill>
+                <a:ln>
+                  <a:noFill/>
+                </a:ln>
+              </p:spPr>
+              <p:style>
+                <a:lnRef idx="2">
+                  <a:schemeClr val="accent1">
+                    <a:shade val="15000"/>
+                  </a:schemeClr>
+                </a:lnRef>
+                <a:fillRef idx="1">
+                  <a:schemeClr val="accent1"/>
+                </a:fillRef>
+                <a:effectRef idx="0">
+                  <a:schemeClr val="accent1"/>
+                </a:effectRef>
+                <a:fontRef idx="minor">
+                  <a:schemeClr val="lt1"/>
+                </a:fontRef>
+              </p:style>
+              <p:txBody>
+                <a:bodyPr rtlCol="0" anchor="ctr"/>
+                <a:lstStyle/>
+                <a:p>
+                  <a:pPr algn="ctr"/>
+                  <a:endParaRPr lang="zh-CN" altLang="en-US" dirty="0"/>
+                </a:p>
+              </p:txBody>
+            </p:sp>
+            <p:sp>
+              <p:nvSpPr>
+                <p:cNvPr id="8" name="文本框 7">
+                  <a:extLst>
+                    <a:ext uri="{FF2B5EF4-FFF2-40B4-BE49-F238E27FC236}">
+                      <a16:creationId xmlns:a16="http://schemas.microsoft.com/office/drawing/2014/main" id="{32C4D318-D124-78CE-40E6-AF4C7C214BA3}"/>
+                    </a:ext>
+                  </a:extLst>
+                </p:cNvPr>
+                <p:cNvSpPr txBox="1"/>
+                <p:nvPr/>
+              </p:nvSpPr>
+              <p:spPr>
+                <a:xfrm>
+                  <a:off x="2882697" y="1704007"/>
+                  <a:ext cx="1864613" cy="307777"/>
+                </a:xfrm>
+                <a:prstGeom prst="rect">
+                  <a:avLst/>
+                </a:prstGeom>
+                <a:noFill/>
+              </p:spPr>
+              <p:txBody>
+                <a:bodyPr wrap="none" rtlCol="0">
+                  <a:spAutoFit/>
+                </a:bodyPr>
+                <a:lstStyle/>
+                <a:p>
+                  <a:r>
+                    <a:rPr lang="en-US" altLang="zh-CN" sz="1400" b="1" dirty="0">
+                      <a:solidFill>
+                        <a:schemeClr val="accent5">
+                          <a:lumMod val="50000"/>
+                        </a:schemeClr>
+                      </a:solidFill>
+                      <a:latin typeface="MiSans" panose="00000500000000000000" pitchFamily="2" charset="-122"/>
+                      <a:ea typeface="MiSans" panose="00000500000000000000" pitchFamily="2" charset="-122"/>
+                    </a:rPr>
+                    <a:t>Crazy Screenshot</a:t>
+                  </a:r>
+                  <a:endParaRPr lang="zh-CN" altLang="en-US" sz="1400" b="1" dirty="0">
+                    <a:solidFill>
+                      <a:schemeClr val="accent5">
+                        <a:lumMod val="50000"/>
+                      </a:schemeClr>
+                    </a:solidFill>
+                    <a:latin typeface="MiSans" panose="00000500000000000000" pitchFamily="2" charset="-122"/>
+                    <a:ea typeface="MiSans" panose="00000500000000000000" pitchFamily="2" charset="-122"/>
+                  </a:endParaRPr>
+                </a:p>
+              </p:txBody>
+            </p:sp>
+          </p:grpSp>
+          <p:sp>
+            <p:nvSpPr>
+              <p:cNvPr id="48" name="文本框 47">
+                <a:extLst>
+                  <a:ext uri="{FF2B5EF4-FFF2-40B4-BE49-F238E27FC236}">
+                    <a16:creationId xmlns:a16="http://schemas.microsoft.com/office/drawing/2014/main" id="{09B9824B-C36C-E73D-932C-5A866A5FCCE5}"/>
+                  </a:ext>
+                </a:extLst>
+              </p:cNvPr>
+              <p:cNvSpPr txBox="1"/>
+              <p:nvPr/>
+            </p:nvSpPr>
+            <p:spPr>
+              <a:xfrm>
+                <a:off x="2759128" y="3032042"/>
+                <a:ext cx="1032644" cy="276999"/>
+              </a:xfrm>
+              <a:prstGeom prst="rect">
+                <a:avLst/>
+              </a:prstGeom>
+              <a:noFill/>
+            </p:spPr>
+            <p:txBody>
+              <a:bodyPr wrap="square">
+                <a:spAutoFit/>
+              </a:bodyPr>
+              <a:lstStyle/>
+              <a:p>
+                <a:r>
+                  <a:rPr lang="en-US" altLang="zh-CN" sz="1200" b="1" dirty="0">
+                    <a:solidFill>
+                      <a:schemeClr val="bg1"/>
+                    </a:solidFill>
+                    <a:latin typeface="Arial" panose="020B0604020202020204" pitchFamily="34" charset="0"/>
+                  </a:rPr>
+                  <a:t>Double </a:t>
+                </a:r>
+                <a:r>
+                  <a:rPr lang="en-US" altLang="zh-CN" sz="1200" b="1" dirty="0" err="1">
+                    <a:solidFill>
+                      <a:schemeClr val="bg1"/>
+                    </a:solidFill>
+                    <a:latin typeface="Arial" panose="020B0604020202020204" pitchFamily="34" charset="0"/>
+                  </a:rPr>
+                  <a:t>Clik</a:t>
+                </a:r>
+                <a:r>
+                  <a:rPr lang="en-US" altLang="zh-CN" sz="1200" b="1" dirty="0">
+                    <a:solidFill>
+                      <a:schemeClr val="bg1"/>
+                    </a:solidFill>
+                    <a:latin typeface="Arial" panose="020B0604020202020204" pitchFamily="34" charset="0"/>
+                  </a:rPr>
+                  <a:t>:</a:t>
+                </a:r>
+              </a:p>
+            </p:txBody>
+          </p:sp>
+          <p:sp>
+            <p:nvSpPr>
+              <p:cNvPr id="49" name="矩形: 圆角 48">
+                <a:extLst>
+                  <a:ext uri="{FF2B5EF4-FFF2-40B4-BE49-F238E27FC236}">
+                    <a16:creationId xmlns:a16="http://schemas.microsoft.com/office/drawing/2014/main" id="{F6C1AE17-C2F3-D8EC-2962-757801D8D2DA}"/>
+                  </a:ext>
+                </a:extLst>
+              </p:cNvPr>
+              <p:cNvSpPr/>
+              <p:nvPr/>
+            </p:nvSpPr>
+            <p:spPr>
+              <a:xfrm>
+                <a:off x="3853247" y="3080924"/>
+                <a:ext cx="179235" cy="179235"/>
+              </a:xfrm>
+              <a:prstGeom prst="roundRect">
+                <a:avLst/>
+              </a:prstGeom>
+              <a:solidFill>
+                <a:schemeClr val="accent5">
+                  <a:lumMod val="60000"/>
+                  <a:lumOff val="40000"/>
+                </a:schemeClr>
+              </a:solidFill>
+              <a:ln>
+                <a:noFill/>
+              </a:ln>
+            </p:spPr>
+            <p:style>
+              <a:lnRef idx="2">
+                <a:schemeClr val="accent1">
+                  <a:shade val="15000"/>
+                </a:schemeClr>
+              </a:lnRef>
+              <a:fillRef idx="1">
+                <a:schemeClr val="accent1"/>
+              </a:fillRef>
+              <a:effectRef idx="0">
+                <a:schemeClr val="accent1"/>
+              </a:effectRef>
+              <a:fontRef idx="minor">
+                <a:schemeClr val="lt1"/>
+              </a:fontRef>
+            </p:style>
+            <p:txBody>
+              <a:bodyPr rtlCol="0" anchor="ctr"/>
+              <a:lstStyle/>
+              <a:p>
+                <a:pPr algn="ctr"/>
+                <a:endParaRPr lang="zh-CN" altLang="en-US" dirty="0"/>
+              </a:p>
+            </p:txBody>
+          </p:sp>
+          <p:sp>
+            <p:nvSpPr>
+              <p:cNvPr id="9" name="矩形: 圆角 8">
+                <a:extLst>
+                  <a:ext uri="{FF2B5EF4-FFF2-40B4-BE49-F238E27FC236}">
+                    <a16:creationId xmlns:a16="http://schemas.microsoft.com/office/drawing/2014/main" id="{A5BDCA7F-E687-E279-9DB3-5E2BFE30123E}"/>
+                  </a:ext>
+                </a:extLst>
+              </p:cNvPr>
+              <p:cNvSpPr>
+                <a:spLocks/>
+              </p:cNvSpPr>
+              <p:nvPr/>
+            </p:nvSpPr>
+            <p:spPr>
+              <a:xfrm>
+                <a:off x="4183380" y="3080924"/>
+                <a:ext cx="505412" cy="179236"/>
+              </a:xfrm>
+              <a:prstGeom prst="roundRect">
+                <a:avLst>
+                  <a:gd name="adj" fmla="val 12161"/>
+                </a:avLst>
+              </a:prstGeom>
+              <a:solidFill>
+                <a:schemeClr val="accent5">
+                  <a:lumMod val="60000"/>
+                  <a:lumOff val="40000"/>
+                </a:schemeClr>
+              </a:solidFill>
+              <a:ln>
+                <a:noFill/>
+              </a:ln>
+            </p:spPr>
+            <p:style>
+              <a:lnRef idx="2">
+                <a:schemeClr val="accent1">
+                  <a:shade val="15000"/>
+                </a:schemeClr>
+              </a:lnRef>
+              <a:fillRef idx="1">
+                <a:schemeClr val="accent1"/>
+              </a:fillRef>
+              <a:effectRef idx="0">
+                <a:schemeClr val="accent1"/>
+              </a:effectRef>
+              <a:fontRef idx="minor">
+                <a:schemeClr val="lt1"/>
+              </a:fontRef>
+            </p:style>
+            <p:txBody>
+              <a:bodyPr rtlCol="0" anchor="ctr"/>
+              <a:lstStyle/>
+              <a:p>
+                <a:pPr algn="ctr"/>
+                <a:r>
+                  <a:rPr lang="en-US" altLang="zh-CN" sz="800" b="1" dirty="0">
+                    <a:solidFill>
+                      <a:schemeClr val="accent5">
+                        <a:lumMod val="50000"/>
+                      </a:schemeClr>
+                    </a:solidFill>
+                    <a:latin typeface="MiSans" panose="00000500000000000000" pitchFamily="2" charset="-122"/>
+                    <a:ea typeface="MiSans" panose="00000500000000000000" pitchFamily="2" charset="-122"/>
+                  </a:rPr>
+                  <a:t>Reset</a:t>
+                </a:r>
+                <a:endParaRPr lang="zh-CN" altLang="en-US" sz="800" b="1" dirty="0">
+                  <a:solidFill>
+                    <a:schemeClr val="accent5">
+                      <a:lumMod val="50000"/>
+                    </a:schemeClr>
+                  </a:solidFill>
+                  <a:latin typeface="MiSans" panose="00000500000000000000" pitchFamily="2" charset="-122"/>
+                  <a:ea typeface="MiSans" panose="00000500000000000000" pitchFamily="2" charset="-122"/>
+                </a:endParaRPr>
+              </a:p>
+            </p:txBody>
+          </p:sp>
+        </p:grpSp>
+        <p:grpSp>
+          <p:nvGrpSpPr>
+            <p:cNvPr id="12" name="组合 11">
+              <a:extLst>
+                <a:ext uri="{FF2B5EF4-FFF2-40B4-BE49-F238E27FC236}">
+                  <a16:creationId xmlns:a16="http://schemas.microsoft.com/office/drawing/2014/main" id="{EB39F00D-6298-FB51-83AF-00624D806FAB}"/>
+                </a:ext>
+              </a:extLst>
+            </p:cNvPr>
+            <p:cNvGrpSpPr/>
+            <p:nvPr/>
+          </p:nvGrpSpPr>
+          <p:grpSpPr>
+            <a:xfrm>
+              <a:off x="5275687" y="1616601"/>
+              <a:ext cx="2257305" cy="2736957"/>
+              <a:chOff x="6250655" y="1616601"/>
+              <a:chExt cx="2257305" cy="2736957"/>
+            </a:xfrm>
+          </p:grpSpPr>
+          <p:sp>
+            <p:nvSpPr>
+              <p:cNvPr id="50" name="矩形: 圆角 49">
+                <a:extLst>
+                  <a:ext uri="{FF2B5EF4-FFF2-40B4-BE49-F238E27FC236}">
+                    <a16:creationId xmlns:a16="http://schemas.microsoft.com/office/drawing/2014/main" id="{07EEB42A-102D-5F83-E1AE-B83ABFE57A03}"/>
+                  </a:ext>
+                </a:extLst>
+              </p:cNvPr>
+              <p:cNvSpPr>
+                <a:spLocks/>
+              </p:cNvSpPr>
+              <p:nvPr/>
+            </p:nvSpPr>
+            <p:spPr>
+              <a:xfrm>
+                <a:off x="6250655" y="1616601"/>
+                <a:ext cx="2257305" cy="2736957"/>
+              </a:xfrm>
+              <a:prstGeom prst="roundRect">
+                <a:avLst>
+                  <a:gd name="adj" fmla="val 3252"/>
+                </a:avLst>
+              </a:prstGeom>
+              <a:solidFill>
+                <a:schemeClr val="accent5">
+                  <a:lumMod val="75000"/>
+                </a:schemeClr>
+              </a:solidFill>
+              <a:ln>
+                <a:noFill/>
+              </a:ln>
+            </p:spPr>
+            <p:style>
+              <a:lnRef idx="2">
+                <a:schemeClr val="accent1">
+                  <a:shade val="15000"/>
+                </a:schemeClr>
+              </a:lnRef>
+              <a:fillRef idx="1">
+                <a:schemeClr val="accent1"/>
+              </a:fillRef>
+              <a:effectRef idx="0">
+                <a:schemeClr val="accent1"/>
+              </a:effectRef>
+              <a:fontRef idx="minor">
+                <a:schemeClr val="lt1"/>
+              </a:fontRef>
+            </p:style>
+            <p:txBody>
+              <a:bodyPr rtlCol="0" anchor="ctr"/>
+              <a:lstStyle/>
+              <a:p>
+                <a:pPr algn="ctr"/>
+                <a:endParaRPr lang="zh-CN" altLang="en-US"/>
+              </a:p>
+            </p:txBody>
+          </p:sp>
+          <p:sp>
+            <p:nvSpPr>
+              <p:cNvPr id="51" name="文本框 50">
+                <a:extLst>
+                  <a:ext uri="{FF2B5EF4-FFF2-40B4-BE49-F238E27FC236}">
+                    <a16:creationId xmlns:a16="http://schemas.microsoft.com/office/drawing/2014/main" id="{5B11DA3F-2541-97F0-8C8A-0876B477C585}"/>
+                  </a:ext>
+                </a:extLst>
+              </p:cNvPr>
+              <p:cNvSpPr txBox="1"/>
+              <p:nvPr/>
+            </p:nvSpPr>
+            <p:spPr>
+              <a:xfrm>
+                <a:off x="6502625" y="2285159"/>
+                <a:ext cx="876682" cy="276999"/>
+              </a:xfrm>
+              <a:prstGeom prst="rect">
+                <a:avLst/>
+              </a:prstGeom>
+              <a:noFill/>
+            </p:spPr>
+            <p:txBody>
+              <a:bodyPr wrap="square">
+                <a:spAutoFit/>
+              </a:bodyPr>
+              <a:lstStyle/>
+              <a:p>
+                <a:pPr algn="r"/>
+                <a:r>
+                  <a:rPr lang="en-US" altLang="zh-CN" sz="1200" b="1" dirty="0">
+                    <a:solidFill>
+                      <a:schemeClr val="bg1"/>
+                    </a:solidFill>
+                    <a:effectLst/>
+                    <a:latin typeface="Arial" panose="020B0604020202020204" pitchFamily="34" charset="0"/>
+                  </a:rPr>
+                  <a:t>Delay</a:t>
+                </a:r>
+                <a:r>
+                  <a:rPr lang="en-US" altLang="zh-CN" sz="1200" b="1" dirty="0">
+                    <a:solidFill>
+                      <a:schemeClr val="bg1"/>
+                    </a:solidFill>
+                    <a:latin typeface="Arial" panose="020B0604020202020204" pitchFamily="34" charset="0"/>
+                  </a:rPr>
+                  <a:t>:</a:t>
+                </a:r>
+                <a:endParaRPr lang="en-US" altLang="zh-CN" sz="1200" b="1" dirty="0">
+                  <a:solidFill>
+                    <a:schemeClr val="bg1"/>
+                  </a:solidFill>
+                  <a:effectLst/>
+                  <a:latin typeface="Arial" panose="020B0604020202020204" pitchFamily="34" charset="0"/>
+                </a:endParaRPr>
+              </a:p>
+            </p:txBody>
+          </p:sp>
+          <p:sp>
+            <p:nvSpPr>
+              <p:cNvPr id="52" name="矩形: 圆角 51">
+                <a:extLst>
+                  <a:ext uri="{FF2B5EF4-FFF2-40B4-BE49-F238E27FC236}">
+                    <a16:creationId xmlns:a16="http://schemas.microsoft.com/office/drawing/2014/main" id="{09743107-0994-84CE-1944-40B19F56DBB5}"/>
+                  </a:ext>
+                </a:extLst>
+              </p:cNvPr>
+              <p:cNvSpPr>
+                <a:spLocks/>
+              </p:cNvSpPr>
+              <p:nvPr/>
+            </p:nvSpPr>
+            <p:spPr>
+              <a:xfrm>
+                <a:off x="7379307" y="2305012"/>
+                <a:ext cx="840772" cy="237293"/>
+              </a:xfrm>
+              <a:prstGeom prst="roundRect">
+                <a:avLst>
+                  <a:gd name="adj" fmla="val 12161"/>
+                </a:avLst>
+              </a:prstGeom>
+              <a:solidFill>
+                <a:schemeClr val="accent5">
+                  <a:lumMod val="60000"/>
+                  <a:lumOff val="40000"/>
+                </a:schemeClr>
+              </a:solidFill>
+              <a:ln>
+                <a:noFill/>
+              </a:ln>
+            </p:spPr>
+            <p:style>
+              <a:lnRef idx="2">
+                <a:schemeClr val="accent1">
+                  <a:shade val="15000"/>
+                </a:schemeClr>
+              </a:lnRef>
+              <a:fillRef idx="1">
+                <a:schemeClr val="accent1"/>
+              </a:fillRef>
+              <a:effectRef idx="0">
+                <a:schemeClr val="accent1"/>
+              </a:effectRef>
+              <a:fontRef idx="minor">
+                <a:schemeClr val="lt1"/>
+              </a:fontRef>
+            </p:style>
+            <p:txBody>
+              <a:bodyPr rtlCol="0" anchor="ctr"/>
+              <a:lstStyle/>
+              <a:p>
+                <a:pPr algn="ctr"/>
+                <a:r>
+                  <a:rPr lang="en-US" altLang="zh-CN" sz="1400" dirty="0">
+                    <a:solidFill>
+                      <a:schemeClr val="accent5">
+                        <a:lumMod val="50000"/>
+                      </a:schemeClr>
+                    </a:solidFill>
+                  </a:rPr>
+                  <a:t>0.0s</a:t>
+                </a:r>
+                <a:endParaRPr lang="zh-CN" altLang="en-US" sz="1400" dirty="0">
+                  <a:solidFill>
+                    <a:schemeClr val="accent5">
+                      <a:lumMod val="50000"/>
+                    </a:schemeClr>
+                  </a:solidFill>
+                </a:endParaRPr>
+              </a:p>
+            </p:txBody>
+          </p:sp>
+          <p:sp>
+            <p:nvSpPr>
+              <p:cNvPr id="54" name="矩形: 圆角 53">
+                <a:extLst>
+                  <a:ext uri="{FF2B5EF4-FFF2-40B4-BE49-F238E27FC236}">
+                    <a16:creationId xmlns:a16="http://schemas.microsoft.com/office/drawing/2014/main" id="{D02CDB58-3F73-3A8B-1C3F-62F644BA5653}"/>
+                  </a:ext>
+                </a:extLst>
+              </p:cNvPr>
+              <p:cNvSpPr>
+                <a:spLocks/>
+              </p:cNvSpPr>
+              <p:nvPr/>
+            </p:nvSpPr>
+            <p:spPr>
+              <a:xfrm>
+                <a:off x="6779032" y="3904031"/>
+                <a:ext cx="1148080" cy="327455"/>
+              </a:xfrm>
+              <a:prstGeom prst="roundRect">
+                <a:avLst>
+                  <a:gd name="adj" fmla="val 12161"/>
+                </a:avLst>
+              </a:prstGeom>
+              <a:solidFill>
+                <a:srgbClr val="C00000"/>
+              </a:solidFill>
+              <a:ln>
+                <a:noFill/>
+              </a:ln>
+            </p:spPr>
+            <p:style>
+              <a:lnRef idx="2">
+                <a:schemeClr val="accent1">
+                  <a:shade val="15000"/>
+                </a:schemeClr>
+              </a:lnRef>
+              <a:fillRef idx="1">
+                <a:schemeClr val="accent1"/>
+              </a:fillRef>
+              <a:effectRef idx="0">
+                <a:schemeClr val="accent1"/>
+              </a:effectRef>
+              <a:fontRef idx="minor">
+                <a:schemeClr val="lt1"/>
+              </a:fontRef>
+            </p:style>
+            <p:txBody>
+              <a:bodyPr rtlCol="0" anchor="ctr"/>
+              <a:lstStyle/>
+              <a:p>
+                <a:pPr algn="ctr"/>
+                <a:r>
+                  <a:rPr lang="en-US" altLang="zh-CN" sz="1400" b="1" dirty="0">
+                    <a:solidFill>
+                      <a:schemeClr val="bg1"/>
+                    </a:solidFill>
+                    <a:latin typeface="MiSans" panose="00000500000000000000" pitchFamily="2" charset="-122"/>
+                    <a:ea typeface="MiSans" panose="00000500000000000000" pitchFamily="2" charset="-122"/>
+                  </a:rPr>
+                  <a:t>Stop</a:t>
+                </a:r>
+                <a:endParaRPr lang="zh-CN" altLang="en-US" sz="1400" b="1" dirty="0">
+                  <a:solidFill>
+                    <a:schemeClr val="bg1"/>
+                  </a:solidFill>
+                  <a:latin typeface="MiSans" panose="00000500000000000000" pitchFamily="2" charset="-122"/>
+                  <a:ea typeface="MiSans" panose="00000500000000000000" pitchFamily="2" charset="-122"/>
+                </a:endParaRPr>
+              </a:p>
+            </p:txBody>
+          </p:sp>
+          <p:sp>
+            <p:nvSpPr>
+              <p:cNvPr id="55" name="文本框 54">
+                <a:extLst>
+                  <a:ext uri="{FF2B5EF4-FFF2-40B4-BE49-F238E27FC236}">
+                    <a16:creationId xmlns:a16="http://schemas.microsoft.com/office/drawing/2014/main" id="{770795DF-C9CC-56BF-A648-787EBA6DA8CF}"/>
+                  </a:ext>
+                </a:extLst>
+              </p:cNvPr>
+              <p:cNvSpPr txBox="1"/>
+              <p:nvPr/>
+            </p:nvSpPr>
+            <p:spPr>
+              <a:xfrm>
+                <a:off x="6346663" y="2659547"/>
+                <a:ext cx="1032644" cy="276999"/>
+              </a:xfrm>
+              <a:prstGeom prst="rect">
+                <a:avLst/>
+              </a:prstGeom>
+              <a:noFill/>
+            </p:spPr>
+            <p:txBody>
+              <a:bodyPr wrap="square">
+                <a:spAutoFit/>
+              </a:bodyPr>
+              <a:lstStyle/>
+              <a:p>
+                <a:pPr algn="r"/>
+                <a:r>
+                  <a:rPr lang="en-US" altLang="zh-CN" sz="1200" b="1" dirty="0">
+                    <a:solidFill>
+                      <a:schemeClr val="bg1"/>
+                    </a:solidFill>
+                    <a:latin typeface="Arial" panose="020B0604020202020204" pitchFamily="34" charset="0"/>
+                  </a:rPr>
+                  <a:t>Hotkey:</a:t>
+                </a:r>
+              </a:p>
+            </p:txBody>
+          </p:sp>
+          <p:sp>
+            <p:nvSpPr>
+              <p:cNvPr id="56" name="矩形: 圆角 55">
+                <a:extLst>
+                  <a:ext uri="{FF2B5EF4-FFF2-40B4-BE49-F238E27FC236}">
+                    <a16:creationId xmlns:a16="http://schemas.microsoft.com/office/drawing/2014/main" id="{D7B70EC7-C407-B92E-8172-3AF4BFFF9274}"/>
+                  </a:ext>
+                </a:extLst>
+              </p:cNvPr>
+              <p:cNvSpPr>
+                <a:spLocks/>
+              </p:cNvSpPr>
+              <p:nvPr/>
+            </p:nvSpPr>
+            <p:spPr>
+              <a:xfrm>
+                <a:off x="7379307" y="2679400"/>
+                <a:ext cx="844086" cy="237293"/>
+              </a:xfrm>
+              <a:prstGeom prst="roundRect">
+                <a:avLst>
+                  <a:gd name="adj" fmla="val 12161"/>
+                </a:avLst>
+              </a:prstGeom>
+              <a:solidFill>
+                <a:schemeClr val="accent5">
+                  <a:lumMod val="60000"/>
+                  <a:lumOff val="40000"/>
+                </a:schemeClr>
+              </a:solidFill>
+              <a:ln>
+                <a:noFill/>
+              </a:ln>
+            </p:spPr>
+            <p:style>
+              <a:lnRef idx="2">
+                <a:schemeClr val="accent1">
+                  <a:shade val="15000"/>
+                </a:schemeClr>
+              </a:lnRef>
+              <a:fillRef idx="1">
+                <a:schemeClr val="accent1"/>
+              </a:fillRef>
+              <a:effectRef idx="0">
+                <a:schemeClr val="accent1"/>
+              </a:effectRef>
+              <a:fontRef idx="minor">
+                <a:schemeClr val="lt1"/>
+              </a:fontRef>
+            </p:style>
+            <p:txBody>
+              <a:bodyPr rtlCol="0" anchor="ctr"/>
+              <a:lstStyle/>
+              <a:p>
+                <a:pPr algn="ctr"/>
+                <a:endParaRPr lang="zh-CN" altLang="en-US" sz="1400" dirty="0">
+                  <a:solidFill>
+                    <a:schemeClr val="accent5">
+                      <a:lumMod val="50000"/>
+                    </a:schemeClr>
+                  </a:solidFill>
+                </a:endParaRPr>
+              </a:p>
+            </p:txBody>
+          </p:sp>
+          <p:grpSp>
+            <p:nvGrpSpPr>
+              <p:cNvPr id="57" name="组合 56">
+                <a:extLst>
+                  <a:ext uri="{FF2B5EF4-FFF2-40B4-BE49-F238E27FC236}">
+                    <a16:creationId xmlns:a16="http://schemas.microsoft.com/office/drawing/2014/main" id="{728F9020-540B-7466-CC13-04D924E98F66}"/>
+                  </a:ext>
+                </a:extLst>
+              </p:cNvPr>
+              <p:cNvGrpSpPr/>
+              <p:nvPr/>
+            </p:nvGrpSpPr>
+            <p:grpSpPr>
+              <a:xfrm>
+                <a:off x="6250655" y="1616602"/>
+                <a:ext cx="2257305" cy="478760"/>
+                <a:chOff x="2712586" y="1616602"/>
+                <a:chExt cx="2257305" cy="478760"/>
+              </a:xfrm>
+            </p:grpSpPr>
+            <p:sp>
+              <p:nvSpPr>
+                <p:cNvPr id="58" name="矩形: 圆角 57">
+                  <a:extLst>
+                    <a:ext uri="{FF2B5EF4-FFF2-40B4-BE49-F238E27FC236}">
+                      <a16:creationId xmlns:a16="http://schemas.microsoft.com/office/drawing/2014/main" id="{EFA02DE9-3AEB-4EBE-6A6F-C50DCAAC49BD}"/>
+                    </a:ext>
+                  </a:extLst>
+                </p:cNvPr>
+                <p:cNvSpPr>
+                  <a:spLocks/>
+                </p:cNvSpPr>
+                <p:nvPr/>
+              </p:nvSpPr>
+              <p:spPr>
+                <a:xfrm>
+                  <a:off x="2712586" y="1616602"/>
+                  <a:ext cx="2257305" cy="428140"/>
+                </a:xfrm>
+                <a:prstGeom prst="roundRect">
+                  <a:avLst>
+                    <a:gd name="adj" fmla="val 12161"/>
+                  </a:avLst>
+                </a:prstGeom>
+                <a:solidFill>
+                  <a:schemeClr val="accent5">
+                    <a:lumMod val="60000"/>
+                    <a:lumOff val="40000"/>
+                  </a:schemeClr>
+                </a:solidFill>
+                <a:ln>
+                  <a:noFill/>
+                </a:ln>
+              </p:spPr>
+              <p:style>
+                <a:lnRef idx="2">
+                  <a:schemeClr val="accent1">
+                    <a:shade val="15000"/>
+                  </a:schemeClr>
+                </a:lnRef>
+                <a:fillRef idx="1">
+                  <a:schemeClr val="accent1"/>
+                </a:fillRef>
+                <a:effectRef idx="0">
+                  <a:schemeClr val="accent1"/>
+                </a:effectRef>
+                <a:fontRef idx="minor">
+                  <a:schemeClr val="lt1"/>
+                </a:fontRef>
+              </p:style>
+              <p:txBody>
+                <a:bodyPr rtlCol="0" anchor="ctr"/>
+                <a:lstStyle/>
+                <a:p>
+                  <a:pPr algn="ctr"/>
+                  <a:endParaRPr lang="zh-CN" altLang="en-US" dirty="0"/>
+                </a:p>
+              </p:txBody>
+            </p:sp>
+            <p:sp>
+              <p:nvSpPr>
+                <p:cNvPr id="59" name="矩形: 圆角 58">
+                  <a:extLst>
+                    <a:ext uri="{FF2B5EF4-FFF2-40B4-BE49-F238E27FC236}">
+                      <a16:creationId xmlns:a16="http://schemas.microsoft.com/office/drawing/2014/main" id="{3B1DEFF6-77B1-7852-4A36-EC919BD812BB}"/>
+                    </a:ext>
+                  </a:extLst>
+                </p:cNvPr>
+                <p:cNvSpPr>
+                  <a:spLocks/>
+                </p:cNvSpPr>
+                <p:nvPr/>
+              </p:nvSpPr>
+              <p:spPr>
+                <a:xfrm>
+                  <a:off x="2712586" y="1717275"/>
+                  <a:ext cx="2257305" cy="378087"/>
+                </a:xfrm>
+                <a:prstGeom prst="roundRect">
+                  <a:avLst>
+                    <a:gd name="adj" fmla="val 0"/>
+                  </a:avLst>
+                </a:prstGeom>
+                <a:solidFill>
+                  <a:schemeClr val="accent5">
+                    <a:lumMod val="60000"/>
+                    <a:lumOff val="40000"/>
+                  </a:schemeClr>
+                </a:solidFill>
+                <a:ln>
+                  <a:noFill/>
+                </a:ln>
+              </p:spPr>
+              <p:style>
+                <a:lnRef idx="2">
+                  <a:schemeClr val="accent1">
+                    <a:shade val="15000"/>
+                  </a:schemeClr>
+                </a:lnRef>
+                <a:fillRef idx="1">
+                  <a:schemeClr val="accent1"/>
+                </a:fillRef>
+                <a:effectRef idx="0">
+                  <a:schemeClr val="accent1"/>
+                </a:effectRef>
+                <a:fontRef idx="minor">
+                  <a:schemeClr val="lt1"/>
+                </a:fontRef>
+              </p:style>
+              <p:txBody>
+                <a:bodyPr rtlCol="0" anchor="ctr"/>
+                <a:lstStyle/>
+                <a:p>
+                  <a:pPr algn="ctr"/>
+                  <a:endParaRPr lang="zh-CN" altLang="en-US" dirty="0"/>
+                </a:p>
+              </p:txBody>
+            </p:sp>
+            <p:sp>
+              <p:nvSpPr>
+                <p:cNvPr id="60" name="文本框 59">
+                  <a:extLst>
+                    <a:ext uri="{FF2B5EF4-FFF2-40B4-BE49-F238E27FC236}">
+                      <a16:creationId xmlns:a16="http://schemas.microsoft.com/office/drawing/2014/main" id="{B972C6A6-58F4-10EA-BDDB-92FFDA58154B}"/>
+                    </a:ext>
+                  </a:extLst>
+                </p:cNvPr>
+                <p:cNvSpPr txBox="1"/>
+                <p:nvPr/>
+              </p:nvSpPr>
+              <p:spPr>
+                <a:xfrm>
+                  <a:off x="2882697" y="1704007"/>
+                  <a:ext cx="1864613" cy="307777"/>
+                </a:xfrm>
+                <a:prstGeom prst="rect">
+                  <a:avLst/>
+                </a:prstGeom>
+                <a:noFill/>
+              </p:spPr>
+              <p:txBody>
+                <a:bodyPr wrap="none" rtlCol="0">
+                  <a:spAutoFit/>
+                </a:bodyPr>
+                <a:lstStyle/>
+                <a:p>
+                  <a:r>
+                    <a:rPr lang="en-US" altLang="zh-CN" sz="1400" b="1" dirty="0">
+                      <a:solidFill>
+                        <a:schemeClr val="accent5">
+                          <a:lumMod val="50000"/>
+                        </a:schemeClr>
+                      </a:solidFill>
+                      <a:latin typeface="MiSans" panose="00000500000000000000" pitchFamily="2" charset="-122"/>
+                      <a:ea typeface="MiSans" panose="00000500000000000000" pitchFamily="2" charset="-122"/>
+                    </a:rPr>
+                    <a:t>Crazy Screenshot</a:t>
+                  </a:r>
+                  <a:endParaRPr lang="zh-CN" altLang="en-US" sz="1400" b="1" dirty="0">
+                    <a:solidFill>
+                      <a:schemeClr val="accent5">
+                        <a:lumMod val="50000"/>
+                      </a:schemeClr>
+                    </a:solidFill>
+                    <a:latin typeface="MiSans" panose="00000500000000000000" pitchFamily="2" charset="-122"/>
+                    <a:ea typeface="MiSans" panose="00000500000000000000" pitchFamily="2" charset="-122"/>
+                  </a:endParaRPr>
+                </a:p>
+              </p:txBody>
+            </p:sp>
+          </p:grpSp>
+          <p:sp>
+            <p:nvSpPr>
+              <p:cNvPr id="61" name="文本框 60">
+                <a:extLst>
+                  <a:ext uri="{FF2B5EF4-FFF2-40B4-BE49-F238E27FC236}">
+                    <a16:creationId xmlns:a16="http://schemas.microsoft.com/office/drawing/2014/main" id="{0AAC8054-A4A5-99FC-F5C8-5717E4513FB7}"/>
+                  </a:ext>
+                </a:extLst>
+              </p:cNvPr>
+              <p:cNvSpPr txBox="1"/>
+              <p:nvPr/>
+            </p:nvSpPr>
+            <p:spPr>
+              <a:xfrm>
+                <a:off x="6346663" y="3032042"/>
+                <a:ext cx="1032644" cy="276999"/>
+              </a:xfrm>
+              <a:prstGeom prst="rect">
+                <a:avLst/>
+              </a:prstGeom>
+              <a:noFill/>
+            </p:spPr>
+            <p:txBody>
+              <a:bodyPr wrap="square">
+                <a:spAutoFit/>
+              </a:bodyPr>
+              <a:lstStyle/>
+              <a:p>
+                <a:r>
+                  <a:rPr lang="en-US" altLang="zh-CN" sz="1200" b="1" dirty="0">
+                    <a:solidFill>
+                      <a:schemeClr val="bg1"/>
+                    </a:solidFill>
+                    <a:latin typeface="Arial" panose="020B0604020202020204" pitchFamily="34" charset="0"/>
+                  </a:rPr>
+                  <a:t>Double </a:t>
+                </a:r>
+                <a:r>
+                  <a:rPr lang="en-US" altLang="zh-CN" sz="1200" b="1" dirty="0" err="1">
+                    <a:solidFill>
+                      <a:schemeClr val="bg1"/>
+                    </a:solidFill>
+                    <a:latin typeface="Arial" panose="020B0604020202020204" pitchFamily="34" charset="0"/>
+                  </a:rPr>
+                  <a:t>Clik</a:t>
+                </a:r>
+                <a:r>
+                  <a:rPr lang="en-US" altLang="zh-CN" sz="1200" b="1" dirty="0">
+                    <a:solidFill>
+                      <a:schemeClr val="bg1"/>
+                    </a:solidFill>
+                    <a:latin typeface="Arial" panose="020B0604020202020204" pitchFamily="34" charset="0"/>
+                  </a:rPr>
+                  <a:t>:</a:t>
+                </a:r>
+              </a:p>
+            </p:txBody>
+          </p:sp>
+          <p:sp>
+            <p:nvSpPr>
+              <p:cNvPr id="62" name="矩形: 圆角 61">
+                <a:extLst>
+                  <a:ext uri="{FF2B5EF4-FFF2-40B4-BE49-F238E27FC236}">
+                    <a16:creationId xmlns:a16="http://schemas.microsoft.com/office/drawing/2014/main" id="{B864967B-3A04-40FB-5CB1-598D86909609}"/>
+                  </a:ext>
+                </a:extLst>
+              </p:cNvPr>
+              <p:cNvSpPr/>
+              <p:nvPr/>
+            </p:nvSpPr>
+            <p:spPr>
+              <a:xfrm>
+                <a:off x="7379307" y="3080924"/>
+                <a:ext cx="179235" cy="179235"/>
+              </a:xfrm>
+              <a:prstGeom prst="roundRect">
+                <a:avLst/>
+              </a:prstGeom>
+              <a:solidFill>
+                <a:schemeClr val="accent5">
+                  <a:lumMod val="60000"/>
+                  <a:lumOff val="40000"/>
+                </a:schemeClr>
+              </a:solidFill>
+              <a:ln>
+                <a:noFill/>
+              </a:ln>
+            </p:spPr>
+            <p:style>
+              <a:lnRef idx="2">
+                <a:schemeClr val="accent1">
+                  <a:shade val="15000"/>
+                </a:schemeClr>
+              </a:lnRef>
+              <a:fillRef idx="1">
+                <a:schemeClr val="accent1"/>
+              </a:fillRef>
+              <a:effectRef idx="0">
+                <a:schemeClr val="accent1"/>
+              </a:effectRef>
+              <a:fontRef idx="minor">
+                <a:schemeClr val="lt1"/>
+              </a:fontRef>
+            </p:style>
+            <p:txBody>
+              <a:bodyPr rtlCol="0" anchor="ctr"/>
+              <a:lstStyle/>
+              <a:p>
+                <a:pPr algn="ctr"/>
+                <a:endParaRPr lang="zh-CN" altLang="en-US" dirty="0"/>
+              </a:p>
+            </p:txBody>
+          </p:sp>
+          <p:sp>
+            <p:nvSpPr>
+              <p:cNvPr id="63" name="文本框 62">
+                <a:extLst>
+                  <a:ext uri="{FF2B5EF4-FFF2-40B4-BE49-F238E27FC236}">
+                    <a16:creationId xmlns:a16="http://schemas.microsoft.com/office/drawing/2014/main" id="{291F724A-701B-1BED-DCE3-F29761F5CB3E}"/>
+                  </a:ext>
+                </a:extLst>
+              </p:cNvPr>
+              <p:cNvSpPr txBox="1"/>
+              <p:nvPr/>
+            </p:nvSpPr>
+            <p:spPr>
+              <a:xfrm>
+                <a:off x="6346663" y="3369565"/>
+                <a:ext cx="1032644" cy="276999"/>
+              </a:xfrm>
+              <a:prstGeom prst="rect">
+                <a:avLst/>
+              </a:prstGeom>
+              <a:noFill/>
+            </p:spPr>
+            <p:txBody>
+              <a:bodyPr wrap="square">
+                <a:spAutoFit/>
+              </a:bodyPr>
+              <a:lstStyle/>
+              <a:p>
+                <a:pPr algn="r"/>
+                <a:r>
+                  <a:rPr lang="en-US" altLang="zh-CN" sz="1200" b="1" dirty="0">
+                    <a:solidFill>
+                      <a:schemeClr val="bg1"/>
+                    </a:solidFill>
+                    <a:latin typeface="Arial" panose="020B0604020202020204" pitchFamily="34" charset="0"/>
+                  </a:rPr>
+                  <a:t>Captured:</a:t>
+                </a:r>
+              </a:p>
+            </p:txBody>
+          </p:sp>
+          <p:sp>
+            <p:nvSpPr>
+              <p:cNvPr id="3" name="矩形: 圆角 2">
+                <a:extLst>
+                  <a:ext uri="{FF2B5EF4-FFF2-40B4-BE49-F238E27FC236}">
+                    <a16:creationId xmlns:a16="http://schemas.microsoft.com/office/drawing/2014/main" id="{D243E097-C3B9-4A43-2083-594DEE3EAE16}"/>
+                  </a:ext>
+                </a:extLst>
+              </p:cNvPr>
+              <p:cNvSpPr>
+                <a:spLocks/>
+              </p:cNvSpPr>
+              <p:nvPr/>
+            </p:nvSpPr>
+            <p:spPr>
+              <a:xfrm>
+                <a:off x="7379307" y="3389418"/>
+                <a:ext cx="844086" cy="237293"/>
+              </a:xfrm>
+              <a:prstGeom prst="roundRect">
+                <a:avLst>
+                  <a:gd name="adj" fmla="val 12161"/>
+                </a:avLst>
+              </a:prstGeom>
+              <a:solidFill>
+                <a:schemeClr val="accent5">
+                  <a:lumMod val="60000"/>
+                  <a:lumOff val="40000"/>
+                </a:schemeClr>
+              </a:solidFill>
+              <a:ln>
+                <a:noFill/>
+              </a:ln>
+            </p:spPr>
+            <p:style>
+              <a:lnRef idx="2">
+                <a:schemeClr val="accent1">
+                  <a:shade val="15000"/>
+                </a:schemeClr>
+              </a:lnRef>
+              <a:fillRef idx="1">
+                <a:schemeClr val="accent1"/>
+              </a:fillRef>
+              <a:effectRef idx="0">
+                <a:schemeClr val="accent1"/>
+              </a:effectRef>
+              <a:fontRef idx="minor">
+                <a:schemeClr val="lt1"/>
+              </a:fontRef>
+            </p:style>
+            <p:txBody>
+              <a:bodyPr rtlCol="0" anchor="ctr"/>
+              <a:lstStyle/>
+              <a:p>
+                <a:pPr algn="ctr"/>
+                <a:r>
+                  <a:rPr lang="en-US" altLang="zh-CN" sz="1400" dirty="0">
+                    <a:solidFill>
+                      <a:schemeClr val="accent5">
+                        <a:lumMod val="50000"/>
+                      </a:schemeClr>
+                    </a:solidFill>
+                  </a:rPr>
+                  <a:t>0</a:t>
+                </a:r>
+                <a:endParaRPr lang="zh-CN" altLang="en-US" sz="1400" dirty="0">
+                  <a:solidFill>
+                    <a:schemeClr val="accent5">
+                      <a:lumMod val="50000"/>
+                    </a:schemeClr>
+                  </a:solidFill>
+                </a:endParaRPr>
+              </a:p>
+            </p:txBody>
+          </p:sp>
+          <p:sp>
+            <p:nvSpPr>
+              <p:cNvPr id="10" name="矩形: 圆角 9">
+                <a:extLst>
+                  <a:ext uri="{FF2B5EF4-FFF2-40B4-BE49-F238E27FC236}">
+                    <a16:creationId xmlns:a16="http://schemas.microsoft.com/office/drawing/2014/main" id="{6C436923-B4C2-1B16-9AE3-D217B3E12B00}"/>
+                  </a:ext>
+                </a:extLst>
+              </p:cNvPr>
+              <p:cNvSpPr>
+                <a:spLocks/>
+              </p:cNvSpPr>
+              <p:nvPr/>
+            </p:nvSpPr>
+            <p:spPr>
+              <a:xfrm>
+                <a:off x="7714667" y="3080924"/>
+                <a:ext cx="505412" cy="179236"/>
+              </a:xfrm>
+              <a:prstGeom prst="roundRect">
+                <a:avLst>
+                  <a:gd name="adj" fmla="val 12161"/>
+                </a:avLst>
+              </a:prstGeom>
+              <a:solidFill>
+                <a:schemeClr val="accent5">
+                  <a:lumMod val="60000"/>
+                  <a:lumOff val="40000"/>
+                </a:schemeClr>
+              </a:solidFill>
+              <a:ln>
+                <a:noFill/>
+              </a:ln>
+            </p:spPr>
+            <p:style>
+              <a:lnRef idx="2">
+                <a:schemeClr val="accent1">
+                  <a:shade val="15000"/>
+                </a:schemeClr>
+              </a:lnRef>
+              <a:fillRef idx="1">
+                <a:schemeClr val="accent1"/>
+              </a:fillRef>
+              <a:effectRef idx="0">
+                <a:schemeClr val="accent1"/>
+              </a:effectRef>
+              <a:fontRef idx="minor">
+                <a:schemeClr val="lt1"/>
+              </a:fontRef>
+            </p:style>
+            <p:txBody>
+              <a:bodyPr rtlCol="0" anchor="ctr"/>
+              <a:lstStyle/>
+              <a:p>
+                <a:pPr algn="ctr"/>
+                <a:r>
+                  <a:rPr lang="en-US" altLang="zh-CN" sz="800" b="1" dirty="0">
+                    <a:solidFill>
+                      <a:schemeClr val="accent5">
+                        <a:lumMod val="50000"/>
+                      </a:schemeClr>
+                    </a:solidFill>
+                    <a:latin typeface="MiSans" panose="00000500000000000000" pitchFamily="2" charset="-122"/>
+                    <a:ea typeface="MiSans" panose="00000500000000000000" pitchFamily="2" charset="-122"/>
+                  </a:rPr>
+                  <a:t>Reset</a:t>
+                </a:r>
+                <a:endParaRPr lang="zh-CN" altLang="en-US" sz="800" b="1" dirty="0">
+                  <a:solidFill>
+                    <a:schemeClr val="accent5">
+                      <a:lumMod val="50000"/>
+                    </a:schemeClr>
+                  </a:solidFill>
+                  <a:latin typeface="MiSans" panose="00000500000000000000" pitchFamily="2" charset="-122"/>
+                  <a:ea typeface="MiSans" panose="00000500000000000000" pitchFamily="2" charset="-122"/>
+                </a:endParaRPr>
+              </a:p>
+            </p:txBody>
+          </p:sp>
+        </p:grpSp>
+      </p:grpSp>
+    </p:spTree>
+    <p:extLst>
+      <p:ext uri="{BB962C8B-B14F-4D97-AF65-F5344CB8AC3E}">
+        <p14:creationId xmlns:p14="http://schemas.microsoft.com/office/powerpoint/2010/main" val="2195437430"/>
+      </p:ext>
+    </p:extLst>
+  </p:cSld>
+  <p:clrMapOvr>
+    <a:masterClrMapping/>
+  </p:clrMapOvr>
+</p:sld>
+</file>
+
 <file path=ppt/theme/theme1.xml><?xml version="1.0" encoding="utf-8"?>
 <a:theme xmlns:a="http://schemas.openxmlformats.org/drawingml/2006/main" name="WPS">
   <a:themeElements>

--- a/access/blueprint.pptx
+++ b/access/blueprint.pptx
@@ -7,6 +7,7 @@
   <p:sldIdLst>
     <p:sldId id="256" r:id="rId2"/>
     <p:sldId id="257" r:id="rId3"/>
+    <p:sldId id="258" r:id="rId4"/>
   </p:sldIdLst>
   <p:sldSz cx="12192000" cy="6858000"/>
   <p:notesSz cx="6858000" cy="9144000"/>
@@ -5836,6 +5837,1751 @@
 </p:sld>
 </file>
 
+<file path=ppt/slides/slide3.xml><?xml version="1.0" encoding="utf-8"?>
+<p:sld xmlns:a="http://schemas.openxmlformats.org/drawingml/2006/main" xmlns:r="http://schemas.openxmlformats.org/officeDocument/2006/relationships" xmlns:p="http://schemas.openxmlformats.org/presentationml/2006/main">
+  <p:cSld>
+    <p:spTree>
+      <p:nvGrpSpPr>
+        <p:cNvPr id="1" name="">
+          <a:extLst>
+            <a:ext uri="{FF2B5EF4-FFF2-40B4-BE49-F238E27FC236}">
+              <a16:creationId xmlns:a16="http://schemas.microsoft.com/office/drawing/2014/main" id="{866C91EF-86AD-7291-376C-4665F2488BD1}"/>
+            </a:ext>
+          </a:extLst>
+        </p:cNvPr>
+        <p:cNvGrpSpPr/>
+        <p:nvPr/>
+      </p:nvGrpSpPr>
+      <p:grpSpPr>
+        <a:xfrm>
+          <a:off x="0" y="0"/>
+          <a:ext cx="0" cy="0"/>
+          <a:chOff x="0" y="0"/>
+          <a:chExt cx="0" cy="0"/>
+        </a:xfrm>
+      </p:grpSpPr>
+      <p:grpSp>
+        <p:nvGrpSpPr>
+          <p:cNvPr id="11" name="组合 10">
+            <a:extLst>
+              <a:ext uri="{FF2B5EF4-FFF2-40B4-BE49-F238E27FC236}">
+                <a16:creationId xmlns:a16="http://schemas.microsoft.com/office/drawing/2014/main" id="{6D67A29A-D446-784E-2CB0-F325C51CF7E5}"/>
+              </a:ext>
+            </a:extLst>
+          </p:cNvPr>
+          <p:cNvGrpSpPr/>
+          <p:nvPr/>
+        </p:nvGrpSpPr>
+        <p:grpSpPr>
+          <a:xfrm>
+            <a:off x="2712586" y="1616601"/>
+            <a:ext cx="2257305" cy="2736957"/>
+            <a:chOff x="2712586" y="1616601"/>
+            <a:chExt cx="2257305" cy="2736957"/>
+          </a:xfrm>
+        </p:grpSpPr>
+        <p:sp>
+          <p:nvSpPr>
+            <p:cNvPr id="2" name="矩形: 圆角 1">
+              <a:extLst>
+                <a:ext uri="{FF2B5EF4-FFF2-40B4-BE49-F238E27FC236}">
+                  <a16:creationId xmlns:a16="http://schemas.microsoft.com/office/drawing/2014/main" id="{2D098D52-6101-5B17-FD07-A0308621D82F}"/>
+                </a:ext>
+              </a:extLst>
+            </p:cNvPr>
+            <p:cNvSpPr>
+              <a:spLocks/>
+            </p:cNvSpPr>
+            <p:nvPr/>
+          </p:nvSpPr>
+          <p:spPr>
+            <a:xfrm>
+              <a:off x="2712586" y="1616601"/>
+              <a:ext cx="2257305" cy="2736957"/>
+            </a:xfrm>
+            <a:prstGeom prst="roundRect">
+              <a:avLst>
+                <a:gd name="adj" fmla="val 3252"/>
+              </a:avLst>
+            </a:prstGeom>
+            <a:solidFill>
+              <a:schemeClr val="accent5">
+                <a:lumMod val="75000"/>
+              </a:schemeClr>
+            </a:solidFill>
+            <a:ln>
+              <a:noFill/>
+            </a:ln>
+          </p:spPr>
+          <p:style>
+            <a:lnRef idx="2">
+              <a:schemeClr val="accent1">
+                <a:shade val="15000"/>
+              </a:schemeClr>
+            </a:lnRef>
+            <a:fillRef idx="1">
+              <a:schemeClr val="accent1"/>
+            </a:fillRef>
+            <a:effectRef idx="0">
+              <a:schemeClr val="accent1"/>
+            </a:effectRef>
+            <a:fontRef idx="minor">
+              <a:schemeClr val="lt1"/>
+            </a:fontRef>
+          </p:style>
+          <p:txBody>
+            <a:bodyPr rtlCol="0" anchor="ctr"/>
+            <a:lstStyle/>
+            <a:p>
+              <a:pPr algn="ctr"/>
+              <a:endParaRPr lang="zh-CN" altLang="en-US"/>
+            </a:p>
+          </p:txBody>
+        </p:sp>
+        <p:sp>
+          <p:nvSpPr>
+            <p:cNvPr id="27" name="文本框 26">
+              <a:extLst>
+                <a:ext uri="{FF2B5EF4-FFF2-40B4-BE49-F238E27FC236}">
+                  <a16:creationId xmlns:a16="http://schemas.microsoft.com/office/drawing/2014/main" id="{5613E543-F826-903F-AE3C-3F4EE339A8E6}"/>
+                </a:ext>
+              </a:extLst>
+            </p:cNvPr>
+            <p:cNvSpPr txBox="1"/>
+            <p:nvPr/>
+          </p:nvSpPr>
+          <p:spPr>
+            <a:xfrm>
+              <a:off x="2915090" y="2279079"/>
+              <a:ext cx="876682" cy="276999"/>
+            </a:xfrm>
+            <a:prstGeom prst="rect">
+              <a:avLst/>
+            </a:prstGeom>
+            <a:noFill/>
+          </p:spPr>
+          <p:txBody>
+            <a:bodyPr wrap="square">
+              <a:spAutoFit/>
+            </a:bodyPr>
+            <a:lstStyle/>
+            <a:p>
+              <a:pPr algn="r"/>
+              <a:r>
+                <a:rPr lang="en-US" altLang="zh-CN" sz="1200" b="1" dirty="0">
+                  <a:solidFill>
+                    <a:schemeClr val="bg1"/>
+                  </a:solidFill>
+                  <a:effectLst/>
+                  <a:latin typeface="Arial" panose="020B0604020202020204" pitchFamily="34" charset="0"/>
+                </a:rPr>
+                <a:t>Delay</a:t>
+              </a:r>
+              <a:r>
+                <a:rPr lang="en-US" altLang="zh-CN" sz="1200" b="1" dirty="0">
+                  <a:solidFill>
+                    <a:schemeClr val="bg1"/>
+                  </a:solidFill>
+                  <a:latin typeface="Arial" panose="020B0604020202020204" pitchFamily="34" charset="0"/>
+                </a:rPr>
+                <a:t>:</a:t>
+              </a:r>
+              <a:endParaRPr lang="en-US" altLang="zh-CN" sz="1200" b="1" dirty="0">
+                <a:solidFill>
+                  <a:schemeClr val="bg1"/>
+                </a:solidFill>
+                <a:effectLst/>
+                <a:latin typeface="Arial" panose="020B0604020202020204" pitchFamily="34" charset="0"/>
+              </a:endParaRPr>
+            </a:p>
+          </p:txBody>
+        </p:sp>
+        <p:sp>
+          <p:nvSpPr>
+            <p:cNvPr id="29" name="矩形: 圆角 28">
+              <a:extLst>
+                <a:ext uri="{FF2B5EF4-FFF2-40B4-BE49-F238E27FC236}">
+                  <a16:creationId xmlns:a16="http://schemas.microsoft.com/office/drawing/2014/main" id="{7B70A105-BEB2-E8B5-E861-AE151DF87487}"/>
+                </a:ext>
+              </a:extLst>
+            </p:cNvPr>
+            <p:cNvSpPr>
+              <a:spLocks/>
+            </p:cNvSpPr>
+            <p:nvPr/>
+          </p:nvSpPr>
+          <p:spPr>
+            <a:xfrm>
+              <a:off x="3854066" y="2311091"/>
+              <a:ext cx="844086" cy="237293"/>
+            </a:xfrm>
+            <a:prstGeom prst="roundRect">
+              <a:avLst>
+                <a:gd name="adj" fmla="val 12161"/>
+              </a:avLst>
+            </a:prstGeom>
+            <a:solidFill>
+              <a:schemeClr val="accent5">
+                <a:lumMod val="60000"/>
+                <a:lumOff val="40000"/>
+              </a:schemeClr>
+            </a:solidFill>
+            <a:ln>
+              <a:noFill/>
+            </a:ln>
+          </p:spPr>
+          <p:style>
+            <a:lnRef idx="2">
+              <a:schemeClr val="accent1">
+                <a:shade val="15000"/>
+              </a:schemeClr>
+            </a:lnRef>
+            <a:fillRef idx="1">
+              <a:schemeClr val="accent1"/>
+            </a:fillRef>
+            <a:effectRef idx="0">
+              <a:schemeClr val="accent1"/>
+            </a:effectRef>
+            <a:fontRef idx="minor">
+              <a:schemeClr val="lt1"/>
+            </a:fontRef>
+          </p:style>
+          <p:txBody>
+            <a:bodyPr rtlCol="0" anchor="ctr"/>
+            <a:lstStyle/>
+            <a:p>
+              <a:pPr algn="ctr"/>
+              <a:r>
+                <a:rPr lang="en-US" altLang="zh-CN" sz="1400" dirty="0">
+                  <a:solidFill>
+                    <a:schemeClr val="accent5">
+                      <a:lumMod val="50000"/>
+                    </a:schemeClr>
+                  </a:solidFill>
+                </a:rPr>
+                <a:t>0.0s</a:t>
+              </a:r>
+              <a:endParaRPr lang="zh-CN" altLang="en-US" sz="1400" dirty="0">
+                <a:solidFill>
+                  <a:schemeClr val="accent5">
+                    <a:lumMod val="50000"/>
+                  </a:schemeClr>
+                </a:solidFill>
+              </a:endParaRPr>
+            </a:p>
+          </p:txBody>
+        </p:sp>
+        <p:sp>
+          <p:nvSpPr>
+            <p:cNvPr id="41" name="矩形: 圆角 40">
+              <a:extLst>
+                <a:ext uri="{FF2B5EF4-FFF2-40B4-BE49-F238E27FC236}">
+                  <a16:creationId xmlns:a16="http://schemas.microsoft.com/office/drawing/2014/main" id="{4BE3B931-33CC-AC7B-CBBC-B30F0210EBF7}"/>
+                </a:ext>
+              </a:extLst>
+            </p:cNvPr>
+            <p:cNvSpPr>
+              <a:spLocks/>
+            </p:cNvSpPr>
+            <p:nvPr/>
+          </p:nvSpPr>
+          <p:spPr>
+            <a:xfrm>
+              <a:off x="3240963" y="3904031"/>
+              <a:ext cx="1148080" cy="327455"/>
+            </a:xfrm>
+            <a:prstGeom prst="roundRect">
+              <a:avLst>
+                <a:gd name="adj" fmla="val 12161"/>
+              </a:avLst>
+            </a:prstGeom>
+            <a:solidFill>
+              <a:schemeClr val="accent5">
+                <a:lumMod val="60000"/>
+                <a:lumOff val="40000"/>
+              </a:schemeClr>
+            </a:solidFill>
+            <a:ln>
+              <a:noFill/>
+            </a:ln>
+          </p:spPr>
+          <p:style>
+            <a:lnRef idx="2">
+              <a:schemeClr val="accent1">
+                <a:shade val="15000"/>
+              </a:schemeClr>
+            </a:lnRef>
+            <a:fillRef idx="1">
+              <a:schemeClr val="accent1"/>
+            </a:fillRef>
+            <a:effectRef idx="0">
+              <a:schemeClr val="accent1"/>
+            </a:effectRef>
+            <a:fontRef idx="minor">
+              <a:schemeClr val="lt1"/>
+            </a:fontRef>
+          </p:style>
+          <p:txBody>
+            <a:bodyPr rtlCol="0" anchor="ctr"/>
+            <a:lstStyle/>
+            <a:p>
+              <a:pPr algn="ctr"/>
+              <a:r>
+                <a:rPr lang="en-US" altLang="zh-CN" sz="1400" b="1" dirty="0">
+                  <a:solidFill>
+                    <a:schemeClr val="accent5">
+                      <a:lumMod val="50000"/>
+                    </a:schemeClr>
+                  </a:solidFill>
+                  <a:latin typeface="MiSans" panose="00000500000000000000" pitchFamily="2" charset="-122"/>
+                  <a:ea typeface="MiSans" panose="00000500000000000000" pitchFamily="2" charset="-122"/>
+                </a:rPr>
+                <a:t>Start</a:t>
+              </a:r>
+              <a:endParaRPr lang="zh-CN" altLang="en-US" sz="1400" b="1" dirty="0">
+                <a:solidFill>
+                  <a:schemeClr val="accent5">
+                    <a:lumMod val="50000"/>
+                  </a:schemeClr>
+                </a:solidFill>
+                <a:latin typeface="MiSans" panose="00000500000000000000" pitchFamily="2" charset="-122"/>
+                <a:ea typeface="MiSans" panose="00000500000000000000" pitchFamily="2" charset="-122"/>
+              </a:endParaRPr>
+            </a:p>
+          </p:txBody>
+        </p:sp>
+        <p:sp>
+          <p:nvSpPr>
+            <p:cNvPr id="43" name="文本框 42">
+              <a:extLst>
+                <a:ext uri="{FF2B5EF4-FFF2-40B4-BE49-F238E27FC236}">
+                  <a16:creationId xmlns:a16="http://schemas.microsoft.com/office/drawing/2014/main" id="{F5B94FDA-4CC8-ECFF-BF6C-E1022BBC5633}"/>
+                </a:ext>
+              </a:extLst>
+            </p:cNvPr>
+            <p:cNvSpPr txBox="1"/>
+            <p:nvPr/>
+          </p:nvSpPr>
+          <p:spPr>
+            <a:xfrm>
+              <a:off x="2759128" y="2659547"/>
+              <a:ext cx="1032644" cy="276999"/>
+            </a:xfrm>
+            <a:prstGeom prst="rect">
+              <a:avLst/>
+            </a:prstGeom>
+            <a:noFill/>
+          </p:spPr>
+          <p:txBody>
+            <a:bodyPr wrap="square">
+              <a:spAutoFit/>
+            </a:bodyPr>
+            <a:lstStyle/>
+            <a:p>
+              <a:pPr algn="r"/>
+              <a:r>
+                <a:rPr lang="en-US" altLang="zh-CN" sz="1200" b="1" dirty="0">
+                  <a:solidFill>
+                    <a:schemeClr val="bg1"/>
+                  </a:solidFill>
+                  <a:latin typeface="Arial" panose="020B0604020202020204" pitchFamily="34" charset="0"/>
+                </a:rPr>
+                <a:t>Hotkey:</a:t>
+              </a:r>
+            </a:p>
+          </p:txBody>
+        </p:sp>
+        <p:sp>
+          <p:nvSpPr>
+            <p:cNvPr id="44" name="矩形: 圆角 43">
+              <a:extLst>
+                <a:ext uri="{FF2B5EF4-FFF2-40B4-BE49-F238E27FC236}">
+                  <a16:creationId xmlns:a16="http://schemas.microsoft.com/office/drawing/2014/main" id="{4738643C-DC55-ADF3-B365-12491E0EFFC1}"/>
+                </a:ext>
+              </a:extLst>
+            </p:cNvPr>
+            <p:cNvSpPr>
+              <a:spLocks/>
+            </p:cNvSpPr>
+            <p:nvPr/>
+          </p:nvSpPr>
+          <p:spPr>
+            <a:xfrm>
+              <a:off x="3844706" y="2699253"/>
+              <a:ext cx="844086" cy="237293"/>
+            </a:xfrm>
+            <a:prstGeom prst="roundRect">
+              <a:avLst>
+                <a:gd name="adj" fmla="val 12161"/>
+              </a:avLst>
+            </a:prstGeom>
+            <a:solidFill>
+              <a:schemeClr val="accent5">
+                <a:lumMod val="60000"/>
+                <a:lumOff val="40000"/>
+              </a:schemeClr>
+            </a:solidFill>
+            <a:ln>
+              <a:noFill/>
+            </a:ln>
+          </p:spPr>
+          <p:style>
+            <a:lnRef idx="2">
+              <a:schemeClr val="accent1">
+                <a:shade val="15000"/>
+              </a:schemeClr>
+            </a:lnRef>
+            <a:fillRef idx="1">
+              <a:schemeClr val="accent1"/>
+            </a:fillRef>
+            <a:effectRef idx="0">
+              <a:schemeClr val="accent1"/>
+            </a:effectRef>
+            <a:fontRef idx="minor">
+              <a:schemeClr val="lt1"/>
+            </a:fontRef>
+          </p:style>
+          <p:txBody>
+            <a:bodyPr rtlCol="0" anchor="ctr"/>
+            <a:lstStyle/>
+            <a:p>
+              <a:pPr algn="ctr"/>
+              <a:r>
+                <a:rPr lang="en-US" altLang="zh-CN" sz="1000" dirty="0" err="1">
+                  <a:solidFill>
+                    <a:schemeClr val="accent5">
+                      <a:lumMod val="50000"/>
+                    </a:schemeClr>
+                  </a:solidFill>
+                </a:rPr>
+                <a:t>ctrl+shit+q</a:t>
+              </a:r>
+              <a:endParaRPr lang="zh-CN" altLang="en-US" sz="1000" dirty="0">
+                <a:solidFill>
+                  <a:schemeClr val="accent5">
+                    <a:lumMod val="50000"/>
+                  </a:schemeClr>
+                </a:solidFill>
+              </a:endParaRPr>
+            </a:p>
+          </p:txBody>
+        </p:sp>
+        <p:grpSp>
+          <p:nvGrpSpPr>
+            <p:cNvPr id="47" name="组合 46">
+              <a:extLst>
+                <a:ext uri="{FF2B5EF4-FFF2-40B4-BE49-F238E27FC236}">
+                  <a16:creationId xmlns:a16="http://schemas.microsoft.com/office/drawing/2014/main" id="{62031BF9-02B9-ACC4-27A3-F248571A7668}"/>
+                </a:ext>
+              </a:extLst>
+            </p:cNvPr>
+            <p:cNvGrpSpPr/>
+            <p:nvPr/>
+          </p:nvGrpSpPr>
+          <p:grpSpPr>
+            <a:xfrm>
+              <a:off x="2712586" y="1616602"/>
+              <a:ext cx="2257305" cy="478760"/>
+              <a:chOff x="2712586" y="1616602"/>
+              <a:chExt cx="2257305" cy="478760"/>
+            </a:xfrm>
+          </p:grpSpPr>
+          <p:sp>
+            <p:nvSpPr>
+              <p:cNvPr id="7" name="矩形: 圆角 6">
+                <a:extLst>
+                  <a:ext uri="{FF2B5EF4-FFF2-40B4-BE49-F238E27FC236}">
+                    <a16:creationId xmlns:a16="http://schemas.microsoft.com/office/drawing/2014/main" id="{40984503-9B9C-A566-5471-FFA11B48E587}"/>
+                  </a:ext>
+                </a:extLst>
+              </p:cNvPr>
+              <p:cNvSpPr>
+                <a:spLocks/>
+              </p:cNvSpPr>
+              <p:nvPr/>
+            </p:nvSpPr>
+            <p:spPr>
+              <a:xfrm>
+                <a:off x="2712586" y="1616602"/>
+                <a:ext cx="2257305" cy="428140"/>
+              </a:xfrm>
+              <a:prstGeom prst="roundRect">
+                <a:avLst>
+                  <a:gd name="adj" fmla="val 12161"/>
+                </a:avLst>
+              </a:prstGeom>
+              <a:solidFill>
+                <a:schemeClr val="accent5">
+                  <a:lumMod val="60000"/>
+                  <a:lumOff val="40000"/>
+                </a:schemeClr>
+              </a:solidFill>
+              <a:ln>
+                <a:noFill/>
+              </a:ln>
+            </p:spPr>
+            <p:style>
+              <a:lnRef idx="2">
+                <a:schemeClr val="accent1">
+                  <a:shade val="15000"/>
+                </a:schemeClr>
+              </a:lnRef>
+              <a:fillRef idx="1">
+                <a:schemeClr val="accent1"/>
+              </a:fillRef>
+              <a:effectRef idx="0">
+                <a:schemeClr val="accent1"/>
+              </a:effectRef>
+              <a:fontRef idx="minor">
+                <a:schemeClr val="lt1"/>
+              </a:fontRef>
+            </p:style>
+            <p:txBody>
+              <a:bodyPr rtlCol="0" anchor="ctr"/>
+              <a:lstStyle/>
+              <a:p>
+                <a:pPr algn="ctr"/>
+                <a:endParaRPr lang="zh-CN" altLang="en-US" dirty="0"/>
+              </a:p>
+            </p:txBody>
+          </p:sp>
+          <p:sp>
+            <p:nvSpPr>
+              <p:cNvPr id="46" name="矩形: 圆角 45">
+                <a:extLst>
+                  <a:ext uri="{FF2B5EF4-FFF2-40B4-BE49-F238E27FC236}">
+                    <a16:creationId xmlns:a16="http://schemas.microsoft.com/office/drawing/2014/main" id="{B232F34B-89A3-1A8D-4BC8-0135C1747F34}"/>
+                  </a:ext>
+                </a:extLst>
+              </p:cNvPr>
+              <p:cNvSpPr>
+                <a:spLocks/>
+              </p:cNvSpPr>
+              <p:nvPr/>
+            </p:nvSpPr>
+            <p:spPr>
+              <a:xfrm>
+                <a:off x="2712586" y="1717275"/>
+                <a:ext cx="2257305" cy="378087"/>
+              </a:xfrm>
+              <a:prstGeom prst="roundRect">
+                <a:avLst>
+                  <a:gd name="adj" fmla="val 0"/>
+                </a:avLst>
+              </a:prstGeom>
+              <a:solidFill>
+                <a:schemeClr val="accent5">
+                  <a:lumMod val="60000"/>
+                  <a:lumOff val="40000"/>
+                </a:schemeClr>
+              </a:solidFill>
+              <a:ln>
+                <a:noFill/>
+              </a:ln>
+            </p:spPr>
+            <p:style>
+              <a:lnRef idx="2">
+                <a:schemeClr val="accent1">
+                  <a:shade val="15000"/>
+                </a:schemeClr>
+              </a:lnRef>
+              <a:fillRef idx="1">
+                <a:schemeClr val="accent1"/>
+              </a:fillRef>
+              <a:effectRef idx="0">
+                <a:schemeClr val="accent1"/>
+              </a:effectRef>
+              <a:fontRef idx="minor">
+                <a:schemeClr val="lt1"/>
+              </a:fontRef>
+            </p:style>
+            <p:txBody>
+              <a:bodyPr rtlCol="0" anchor="ctr"/>
+              <a:lstStyle/>
+              <a:p>
+                <a:pPr algn="ctr"/>
+                <a:endParaRPr lang="zh-CN" altLang="en-US" dirty="0"/>
+              </a:p>
+            </p:txBody>
+          </p:sp>
+          <p:sp>
+            <p:nvSpPr>
+              <p:cNvPr id="8" name="文本框 7">
+                <a:extLst>
+                  <a:ext uri="{FF2B5EF4-FFF2-40B4-BE49-F238E27FC236}">
+                    <a16:creationId xmlns:a16="http://schemas.microsoft.com/office/drawing/2014/main" id="{B334341B-8835-BE07-A622-985B5F395C93}"/>
+                  </a:ext>
+                </a:extLst>
+              </p:cNvPr>
+              <p:cNvSpPr txBox="1"/>
+              <p:nvPr/>
+            </p:nvSpPr>
+            <p:spPr>
+              <a:xfrm>
+                <a:off x="2882697" y="1704007"/>
+                <a:ext cx="1864613" cy="307777"/>
+              </a:xfrm>
+              <a:prstGeom prst="rect">
+                <a:avLst/>
+              </a:prstGeom>
+              <a:noFill/>
+            </p:spPr>
+            <p:txBody>
+              <a:bodyPr wrap="none" rtlCol="0">
+                <a:spAutoFit/>
+              </a:bodyPr>
+              <a:lstStyle/>
+              <a:p>
+                <a:r>
+                  <a:rPr lang="en-US" altLang="zh-CN" sz="1400" b="1" dirty="0">
+                    <a:solidFill>
+                      <a:schemeClr val="accent5">
+                        <a:lumMod val="50000"/>
+                      </a:schemeClr>
+                    </a:solidFill>
+                    <a:latin typeface="MiSans" panose="00000500000000000000" pitchFamily="2" charset="-122"/>
+                    <a:ea typeface="MiSans" panose="00000500000000000000" pitchFamily="2" charset="-122"/>
+                  </a:rPr>
+                  <a:t>Crazy Screenshot</a:t>
+                </a:r>
+                <a:endParaRPr lang="zh-CN" altLang="en-US" sz="1400" b="1" dirty="0">
+                  <a:solidFill>
+                    <a:schemeClr val="accent5">
+                      <a:lumMod val="50000"/>
+                    </a:schemeClr>
+                  </a:solidFill>
+                  <a:latin typeface="MiSans" panose="00000500000000000000" pitchFamily="2" charset="-122"/>
+                  <a:ea typeface="MiSans" panose="00000500000000000000" pitchFamily="2" charset="-122"/>
+                </a:endParaRPr>
+              </a:p>
+            </p:txBody>
+          </p:sp>
+        </p:grpSp>
+        <p:sp>
+          <p:nvSpPr>
+            <p:cNvPr id="48" name="文本框 47">
+              <a:extLst>
+                <a:ext uri="{FF2B5EF4-FFF2-40B4-BE49-F238E27FC236}">
+                  <a16:creationId xmlns:a16="http://schemas.microsoft.com/office/drawing/2014/main" id="{BC9C9B4B-60D5-ACFB-F11D-A0D5BAA3FFE6}"/>
+                </a:ext>
+              </a:extLst>
+            </p:cNvPr>
+            <p:cNvSpPr txBox="1"/>
+            <p:nvPr/>
+          </p:nvSpPr>
+          <p:spPr>
+            <a:xfrm>
+              <a:off x="2759128" y="3032042"/>
+              <a:ext cx="1032644" cy="276999"/>
+            </a:xfrm>
+            <a:prstGeom prst="rect">
+              <a:avLst/>
+            </a:prstGeom>
+            <a:noFill/>
+          </p:spPr>
+          <p:txBody>
+            <a:bodyPr wrap="square">
+              <a:spAutoFit/>
+            </a:bodyPr>
+            <a:lstStyle/>
+            <a:p>
+              <a:r>
+                <a:rPr lang="en-US" altLang="zh-CN" sz="1200" b="1" dirty="0">
+                  <a:solidFill>
+                    <a:schemeClr val="bg1"/>
+                  </a:solidFill>
+                  <a:latin typeface="Arial" panose="020B0604020202020204" pitchFamily="34" charset="0"/>
+                </a:rPr>
+                <a:t>Double </a:t>
+              </a:r>
+              <a:r>
+                <a:rPr lang="en-US" altLang="zh-CN" sz="1200" b="1" dirty="0" err="1">
+                  <a:solidFill>
+                    <a:schemeClr val="bg1"/>
+                  </a:solidFill>
+                  <a:latin typeface="Arial" panose="020B0604020202020204" pitchFamily="34" charset="0"/>
+                </a:rPr>
+                <a:t>Clik</a:t>
+              </a:r>
+              <a:r>
+                <a:rPr lang="en-US" altLang="zh-CN" sz="1200" b="1" dirty="0">
+                  <a:solidFill>
+                    <a:schemeClr val="bg1"/>
+                  </a:solidFill>
+                  <a:latin typeface="Arial" panose="020B0604020202020204" pitchFamily="34" charset="0"/>
+                </a:rPr>
+                <a:t>:</a:t>
+              </a:r>
+            </a:p>
+          </p:txBody>
+        </p:sp>
+        <p:sp>
+          <p:nvSpPr>
+            <p:cNvPr id="49" name="矩形: 圆角 48">
+              <a:extLst>
+                <a:ext uri="{FF2B5EF4-FFF2-40B4-BE49-F238E27FC236}">
+                  <a16:creationId xmlns:a16="http://schemas.microsoft.com/office/drawing/2014/main" id="{9AA2A608-7EA3-5BBC-5467-CBF908BAB95A}"/>
+                </a:ext>
+              </a:extLst>
+            </p:cNvPr>
+            <p:cNvSpPr/>
+            <p:nvPr/>
+          </p:nvSpPr>
+          <p:spPr>
+            <a:xfrm>
+              <a:off x="3853247" y="3080924"/>
+              <a:ext cx="179235" cy="179235"/>
+            </a:xfrm>
+            <a:prstGeom prst="roundRect">
+              <a:avLst/>
+            </a:prstGeom>
+            <a:solidFill>
+              <a:schemeClr val="accent5">
+                <a:lumMod val="60000"/>
+                <a:lumOff val="40000"/>
+              </a:schemeClr>
+            </a:solidFill>
+            <a:ln>
+              <a:noFill/>
+            </a:ln>
+          </p:spPr>
+          <p:style>
+            <a:lnRef idx="2">
+              <a:schemeClr val="accent1">
+                <a:shade val="15000"/>
+              </a:schemeClr>
+            </a:lnRef>
+            <a:fillRef idx="1">
+              <a:schemeClr val="accent1"/>
+            </a:fillRef>
+            <a:effectRef idx="0">
+              <a:schemeClr val="accent1"/>
+            </a:effectRef>
+            <a:fontRef idx="minor">
+              <a:schemeClr val="lt1"/>
+            </a:fontRef>
+          </p:style>
+          <p:txBody>
+            <a:bodyPr rtlCol="0" anchor="ctr"/>
+            <a:lstStyle/>
+            <a:p>
+              <a:pPr algn="ctr"/>
+              <a:endParaRPr lang="zh-CN" altLang="en-US" dirty="0"/>
+            </a:p>
+          </p:txBody>
+        </p:sp>
+        <p:sp>
+          <p:nvSpPr>
+            <p:cNvPr id="9" name="矩形: 圆角 8">
+              <a:extLst>
+                <a:ext uri="{FF2B5EF4-FFF2-40B4-BE49-F238E27FC236}">
+                  <a16:creationId xmlns:a16="http://schemas.microsoft.com/office/drawing/2014/main" id="{ADE7165D-6532-E812-B48E-AD98163B1B68}"/>
+                </a:ext>
+              </a:extLst>
+            </p:cNvPr>
+            <p:cNvSpPr>
+              <a:spLocks/>
+            </p:cNvSpPr>
+            <p:nvPr/>
+          </p:nvSpPr>
+          <p:spPr>
+            <a:xfrm>
+              <a:off x="4183380" y="3080924"/>
+              <a:ext cx="505412" cy="179236"/>
+            </a:xfrm>
+            <a:prstGeom prst="roundRect">
+              <a:avLst>
+                <a:gd name="adj" fmla="val 12161"/>
+              </a:avLst>
+            </a:prstGeom>
+            <a:solidFill>
+              <a:schemeClr val="accent5">
+                <a:lumMod val="60000"/>
+                <a:lumOff val="40000"/>
+              </a:schemeClr>
+            </a:solidFill>
+            <a:ln>
+              <a:noFill/>
+            </a:ln>
+          </p:spPr>
+          <p:style>
+            <a:lnRef idx="2">
+              <a:schemeClr val="accent1">
+                <a:shade val="15000"/>
+              </a:schemeClr>
+            </a:lnRef>
+            <a:fillRef idx="1">
+              <a:schemeClr val="accent1"/>
+            </a:fillRef>
+            <a:effectRef idx="0">
+              <a:schemeClr val="accent1"/>
+            </a:effectRef>
+            <a:fontRef idx="minor">
+              <a:schemeClr val="lt1"/>
+            </a:fontRef>
+          </p:style>
+          <p:txBody>
+            <a:bodyPr rtlCol="0" anchor="ctr"/>
+            <a:lstStyle/>
+            <a:p>
+              <a:pPr algn="ctr"/>
+              <a:r>
+                <a:rPr lang="en-US" altLang="zh-CN" sz="800" b="1" dirty="0">
+                  <a:solidFill>
+                    <a:schemeClr val="accent5">
+                      <a:lumMod val="50000"/>
+                    </a:schemeClr>
+                  </a:solidFill>
+                  <a:latin typeface="MiSans" panose="00000500000000000000" pitchFamily="2" charset="-122"/>
+                  <a:ea typeface="MiSans" panose="00000500000000000000" pitchFamily="2" charset="-122"/>
+                </a:rPr>
+                <a:t>Reset</a:t>
+              </a:r>
+              <a:endParaRPr lang="zh-CN" altLang="en-US" sz="800" b="1" dirty="0">
+                <a:solidFill>
+                  <a:schemeClr val="accent5">
+                    <a:lumMod val="50000"/>
+                  </a:schemeClr>
+                </a:solidFill>
+                <a:latin typeface="MiSans" panose="00000500000000000000" pitchFamily="2" charset="-122"/>
+                <a:ea typeface="MiSans" panose="00000500000000000000" pitchFamily="2" charset="-122"/>
+              </a:endParaRPr>
+            </a:p>
+          </p:txBody>
+        </p:sp>
+      </p:grpSp>
+      <p:grpSp>
+        <p:nvGrpSpPr>
+          <p:cNvPr id="12" name="组合 11">
+            <a:extLst>
+              <a:ext uri="{FF2B5EF4-FFF2-40B4-BE49-F238E27FC236}">
+                <a16:creationId xmlns:a16="http://schemas.microsoft.com/office/drawing/2014/main" id="{7BA9D806-D838-0447-0761-A00BD15D6E2D}"/>
+              </a:ext>
+            </a:extLst>
+          </p:cNvPr>
+          <p:cNvGrpSpPr/>
+          <p:nvPr/>
+        </p:nvGrpSpPr>
+        <p:grpSpPr>
+          <a:xfrm>
+            <a:off x="5275687" y="1616601"/>
+            <a:ext cx="2257305" cy="2736957"/>
+            <a:chOff x="6250655" y="1616601"/>
+            <a:chExt cx="2257305" cy="2736957"/>
+          </a:xfrm>
+        </p:grpSpPr>
+        <p:sp>
+          <p:nvSpPr>
+            <p:cNvPr id="50" name="矩形: 圆角 49">
+              <a:extLst>
+                <a:ext uri="{FF2B5EF4-FFF2-40B4-BE49-F238E27FC236}">
+                  <a16:creationId xmlns:a16="http://schemas.microsoft.com/office/drawing/2014/main" id="{ADB906DF-4D2E-B47A-2DA6-FF3192D3B33F}"/>
+                </a:ext>
+              </a:extLst>
+            </p:cNvPr>
+            <p:cNvSpPr>
+              <a:spLocks/>
+            </p:cNvSpPr>
+            <p:nvPr/>
+          </p:nvSpPr>
+          <p:spPr>
+            <a:xfrm>
+              <a:off x="6250655" y="1616601"/>
+              <a:ext cx="2257305" cy="2736957"/>
+            </a:xfrm>
+            <a:prstGeom prst="roundRect">
+              <a:avLst>
+                <a:gd name="adj" fmla="val 3252"/>
+              </a:avLst>
+            </a:prstGeom>
+            <a:solidFill>
+              <a:schemeClr val="accent5">
+                <a:lumMod val="75000"/>
+              </a:schemeClr>
+            </a:solidFill>
+            <a:ln>
+              <a:noFill/>
+            </a:ln>
+          </p:spPr>
+          <p:style>
+            <a:lnRef idx="2">
+              <a:schemeClr val="accent1">
+                <a:shade val="15000"/>
+              </a:schemeClr>
+            </a:lnRef>
+            <a:fillRef idx="1">
+              <a:schemeClr val="accent1"/>
+            </a:fillRef>
+            <a:effectRef idx="0">
+              <a:schemeClr val="accent1"/>
+            </a:effectRef>
+            <a:fontRef idx="minor">
+              <a:schemeClr val="lt1"/>
+            </a:fontRef>
+          </p:style>
+          <p:txBody>
+            <a:bodyPr rtlCol="0" anchor="ctr"/>
+            <a:lstStyle/>
+            <a:p>
+              <a:pPr algn="ctr"/>
+              <a:endParaRPr lang="zh-CN" altLang="en-US"/>
+            </a:p>
+          </p:txBody>
+        </p:sp>
+        <p:sp>
+          <p:nvSpPr>
+            <p:cNvPr id="51" name="文本框 50">
+              <a:extLst>
+                <a:ext uri="{FF2B5EF4-FFF2-40B4-BE49-F238E27FC236}">
+                  <a16:creationId xmlns:a16="http://schemas.microsoft.com/office/drawing/2014/main" id="{2199271C-3FDD-AC0A-D5E3-FA15DA15B485}"/>
+                </a:ext>
+              </a:extLst>
+            </p:cNvPr>
+            <p:cNvSpPr txBox="1"/>
+            <p:nvPr/>
+          </p:nvSpPr>
+          <p:spPr>
+            <a:xfrm>
+              <a:off x="6502625" y="2285159"/>
+              <a:ext cx="876682" cy="276999"/>
+            </a:xfrm>
+            <a:prstGeom prst="rect">
+              <a:avLst/>
+            </a:prstGeom>
+            <a:noFill/>
+          </p:spPr>
+          <p:txBody>
+            <a:bodyPr wrap="square">
+              <a:spAutoFit/>
+            </a:bodyPr>
+            <a:lstStyle/>
+            <a:p>
+              <a:pPr algn="r"/>
+              <a:r>
+                <a:rPr lang="en-US" altLang="zh-CN" sz="1200" b="1" dirty="0">
+                  <a:solidFill>
+                    <a:schemeClr val="bg1"/>
+                  </a:solidFill>
+                  <a:effectLst/>
+                  <a:latin typeface="Arial" panose="020B0604020202020204" pitchFamily="34" charset="0"/>
+                </a:rPr>
+                <a:t>Delay</a:t>
+              </a:r>
+              <a:r>
+                <a:rPr lang="en-US" altLang="zh-CN" sz="1200" b="1" dirty="0">
+                  <a:solidFill>
+                    <a:schemeClr val="bg1"/>
+                  </a:solidFill>
+                  <a:latin typeface="Arial" panose="020B0604020202020204" pitchFamily="34" charset="0"/>
+                </a:rPr>
+                <a:t>:</a:t>
+              </a:r>
+              <a:endParaRPr lang="en-US" altLang="zh-CN" sz="1200" b="1" dirty="0">
+                <a:solidFill>
+                  <a:schemeClr val="bg1"/>
+                </a:solidFill>
+                <a:effectLst/>
+                <a:latin typeface="Arial" panose="020B0604020202020204" pitchFamily="34" charset="0"/>
+              </a:endParaRPr>
+            </a:p>
+          </p:txBody>
+        </p:sp>
+        <p:sp>
+          <p:nvSpPr>
+            <p:cNvPr id="52" name="矩形: 圆角 51">
+              <a:extLst>
+                <a:ext uri="{FF2B5EF4-FFF2-40B4-BE49-F238E27FC236}">
+                  <a16:creationId xmlns:a16="http://schemas.microsoft.com/office/drawing/2014/main" id="{6C231E17-E44B-9D40-35C0-D2C403C18619}"/>
+                </a:ext>
+              </a:extLst>
+            </p:cNvPr>
+            <p:cNvSpPr>
+              <a:spLocks/>
+            </p:cNvSpPr>
+            <p:nvPr/>
+          </p:nvSpPr>
+          <p:spPr>
+            <a:xfrm>
+              <a:off x="7379307" y="2305012"/>
+              <a:ext cx="840772" cy="237293"/>
+            </a:xfrm>
+            <a:prstGeom prst="roundRect">
+              <a:avLst>
+                <a:gd name="adj" fmla="val 12161"/>
+              </a:avLst>
+            </a:prstGeom>
+            <a:solidFill>
+              <a:schemeClr val="accent5">
+                <a:lumMod val="60000"/>
+                <a:lumOff val="40000"/>
+              </a:schemeClr>
+            </a:solidFill>
+            <a:ln>
+              <a:noFill/>
+            </a:ln>
+          </p:spPr>
+          <p:style>
+            <a:lnRef idx="2">
+              <a:schemeClr val="accent1">
+                <a:shade val="15000"/>
+              </a:schemeClr>
+            </a:lnRef>
+            <a:fillRef idx="1">
+              <a:schemeClr val="accent1"/>
+            </a:fillRef>
+            <a:effectRef idx="0">
+              <a:schemeClr val="accent1"/>
+            </a:effectRef>
+            <a:fontRef idx="minor">
+              <a:schemeClr val="lt1"/>
+            </a:fontRef>
+          </p:style>
+          <p:txBody>
+            <a:bodyPr rtlCol="0" anchor="ctr"/>
+            <a:lstStyle/>
+            <a:p>
+              <a:pPr algn="ctr"/>
+              <a:r>
+                <a:rPr lang="en-US" altLang="zh-CN" sz="1400" dirty="0">
+                  <a:solidFill>
+                    <a:schemeClr val="accent5">
+                      <a:lumMod val="50000"/>
+                    </a:schemeClr>
+                  </a:solidFill>
+                </a:rPr>
+                <a:t>0.0s</a:t>
+              </a:r>
+              <a:endParaRPr lang="zh-CN" altLang="en-US" sz="1400" dirty="0">
+                <a:solidFill>
+                  <a:schemeClr val="accent5">
+                    <a:lumMod val="50000"/>
+                  </a:schemeClr>
+                </a:solidFill>
+              </a:endParaRPr>
+            </a:p>
+          </p:txBody>
+        </p:sp>
+        <p:sp>
+          <p:nvSpPr>
+            <p:cNvPr id="54" name="矩形: 圆角 53">
+              <a:extLst>
+                <a:ext uri="{FF2B5EF4-FFF2-40B4-BE49-F238E27FC236}">
+                  <a16:creationId xmlns:a16="http://schemas.microsoft.com/office/drawing/2014/main" id="{91D9BB39-BCA7-FF44-190A-569E72E5D3A5}"/>
+                </a:ext>
+              </a:extLst>
+            </p:cNvPr>
+            <p:cNvSpPr>
+              <a:spLocks/>
+            </p:cNvSpPr>
+            <p:nvPr/>
+          </p:nvSpPr>
+          <p:spPr>
+            <a:xfrm>
+              <a:off x="6779032" y="3904031"/>
+              <a:ext cx="1148080" cy="327455"/>
+            </a:xfrm>
+            <a:prstGeom prst="roundRect">
+              <a:avLst>
+                <a:gd name="adj" fmla="val 12161"/>
+              </a:avLst>
+            </a:prstGeom>
+            <a:solidFill>
+              <a:srgbClr val="C00000"/>
+            </a:solidFill>
+            <a:ln>
+              <a:noFill/>
+            </a:ln>
+          </p:spPr>
+          <p:style>
+            <a:lnRef idx="2">
+              <a:schemeClr val="accent1">
+                <a:shade val="15000"/>
+              </a:schemeClr>
+            </a:lnRef>
+            <a:fillRef idx="1">
+              <a:schemeClr val="accent1"/>
+            </a:fillRef>
+            <a:effectRef idx="0">
+              <a:schemeClr val="accent1"/>
+            </a:effectRef>
+            <a:fontRef idx="minor">
+              <a:schemeClr val="lt1"/>
+            </a:fontRef>
+          </p:style>
+          <p:txBody>
+            <a:bodyPr rtlCol="0" anchor="ctr"/>
+            <a:lstStyle/>
+            <a:p>
+              <a:pPr algn="ctr"/>
+              <a:r>
+                <a:rPr lang="en-US" altLang="zh-CN" sz="1400" b="1" dirty="0">
+                  <a:solidFill>
+                    <a:schemeClr val="bg1"/>
+                  </a:solidFill>
+                  <a:latin typeface="MiSans" panose="00000500000000000000" pitchFamily="2" charset="-122"/>
+                  <a:ea typeface="MiSans" panose="00000500000000000000" pitchFamily="2" charset="-122"/>
+                </a:rPr>
+                <a:t>Stop</a:t>
+              </a:r>
+              <a:endParaRPr lang="zh-CN" altLang="en-US" sz="1400" b="1" dirty="0">
+                <a:solidFill>
+                  <a:schemeClr val="bg1"/>
+                </a:solidFill>
+                <a:latin typeface="MiSans" panose="00000500000000000000" pitchFamily="2" charset="-122"/>
+                <a:ea typeface="MiSans" panose="00000500000000000000" pitchFamily="2" charset="-122"/>
+              </a:endParaRPr>
+            </a:p>
+          </p:txBody>
+        </p:sp>
+        <p:sp>
+          <p:nvSpPr>
+            <p:cNvPr id="55" name="文本框 54">
+              <a:extLst>
+                <a:ext uri="{FF2B5EF4-FFF2-40B4-BE49-F238E27FC236}">
+                  <a16:creationId xmlns:a16="http://schemas.microsoft.com/office/drawing/2014/main" id="{321D5696-7678-A26A-AB20-8534A9238AC6}"/>
+                </a:ext>
+              </a:extLst>
+            </p:cNvPr>
+            <p:cNvSpPr txBox="1"/>
+            <p:nvPr/>
+          </p:nvSpPr>
+          <p:spPr>
+            <a:xfrm>
+              <a:off x="6346663" y="2659547"/>
+              <a:ext cx="1032644" cy="276999"/>
+            </a:xfrm>
+            <a:prstGeom prst="rect">
+              <a:avLst/>
+            </a:prstGeom>
+            <a:noFill/>
+          </p:spPr>
+          <p:txBody>
+            <a:bodyPr wrap="square">
+              <a:spAutoFit/>
+            </a:bodyPr>
+            <a:lstStyle/>
+            <a:p>
+              <a:pPr algn="r"/>
+              <a:r>
+                <a:rPr lang="en-US" altLang="zh-CN" sz="1200" b="1" dirty="0">
+                  <a:solidFill>
+                    <a:schemeClr val="bg1"/>
+                  </a:solidFill>
+                  <a:latin typeface="Arial" panose="020B0604020202020204" pitchFamily="34" charset="0"/>
+                </a:rPr>
+                <a:t>Hotkey:</a:t>
+              </a:r>
+            </a:p>
+          </p:txBody>
+        </p:sp>
+        <p:sp>
+          <p:nvSpPr>
+            <p:cNvPr id="56" name="矩形: 圆角 55">
+              <a:extLst>
+                <a:ext uri="{FF2B5EF4-FFF2-40B4-BE49-F238E27FC236}">
+                  <a16:creationId xmlns:a16="http://schemas.microsoft.com/office/drawing/2014/main" id="{52F90755-FEA3-1824-A653-A6571B1EC593}"/>
+                </a:ext>
+              </a:extLst>
+            </p:cNvPr>
+            <p:cNvSpPr>
+              <a:spLocks/>
+            </p:cNvSpPr>
+            <p:nvPr/>
+          </p:nvSpPr>
+          <p:spPr>
+            <a:xfrm>
+              <a:off x="7379307" y="2679400"/>
+              <a:ext cx="844086" cy="237293"/>
+            </a:xfrm>
+            <a:prstGeom prst="roundRect">
+              <a:avLst>
+                <a:gd name="adj" fmla="val 12161"/>
+              </a:avLst>
+            </a:prstGeom>
+            <a:solidFill>
+              <a:schemeClr val="accent5">
+                <a:lumMod val="60000"/>
+                <a:lumOff val="40000"/>
+              </a:schemeClr>
+            </a:solidFill>
+            <a:ln>
+              <a:noFill/>
+            </a:ln>
+          </p:spPr>
+          <p:style>
+            <a:lnRef idx="2">
+              <a:schemeClr val="accent1">
+                <a:shade val="15000"/>
+              </a:schemeClr>
+            </a:lnRef>
+            <a:fillRef idx="1">
+              <a:schemeClr val="accent1"/>
+            </a:fillRef>
+            <a:effectRef idx="0">
+              <a:schemeClr val="accent1"/>
+            </a:effectRef>
+            <a:fontRef idx="minor">
+              <a:schemeClr val="lt1"/>
+            </a:fontRef>
+          </p:style>
+          <p:txBody>
+            <a:bodyPr rtlCol="0" anchor="ctr"/>
+            <a:lstStyle/>
+            <a:p>
+              <a:pPr algn="ctr"/>
+              <a:r>
+                <a:rPr lang="en-US" altLang="zh-CN" sz="1000" dirty="0" err="1">
+                  <a:solidFill>
+                    <a:schemeClr val="accent5">
+                      <a:lumMod val="50000"/>
+                    </a:schemeClr>
+                  </a:solidFill>
+                </a:rPr>
+                <a:t>ctrl+shit</a:t>
+              </a:r>
+              <a:r>
+                <a:rPr lang="en-US" altLang="zh-CN" sz="1000" err="1">
+                  <a:solidFill>
+                    <a:schemeClr val="accent5">
+                      <a:lumMod val="50000"/>
+                    </a:schemeClr>
+                  </a:solidFill>
+                </a:rPr>
+                <a:t>+</a:t>
+              </a:r>
+              <a:r>
+                <a:rPr lang="en-US" altLang="zh-CN" sz="1000">
+                  <a:solidFill>
+                    <a:schemeClr val="accent5">
+                      <a:lumMod val="50000"/>
+                    </a:schemeClr>
+                  </a:solidFill>
+                </a:rPr>
+                <a:t>q</a:t>
+              </a:r>
+              <a:endParaRPr lang="zh-CN" altLang="en-US" sz="1000" dirty="0">
+                <a:solidFill>
+                  <a:schemeClr val="accent5">
+                    <a:lumMod val="50000"/>
+                  </a:schemeClr>
+                </a:solidFill>
+              </a:endParaRPr>
+            </a:p>
+          </p:txBody>
+        </p:sp>
+        <p:grpSp>
+          <p:nvGrpSpPr>
+            <p:cNvPr id="57" name="组合 56">
+              <a:extLst>
+                <a:ext uri="{FF2B5EF4-FFF2-40B4-BE49-F238E27FC236}">
+                  <a16:creationId xmlns:a16="http://schemas.microsoft.com/office/drawing/2014/main" id="{8755E150-7A10-E903-F2F7-EF041E3D16D4}"/>
+                </a:ext>
+              </a:extLst>
+            </p:cNvPr>
+            <p:cNvGrpSpPr/>
+            <p:nvPr/>
+          </p:nvGrpSpPr>
+          <p:grpSpPr>
+            <a:xfrm>
+              <a:off x="6250655" y="1616602"/>
+              <a:ext cx="2257305" cy="478760"/>
+              <a:chOff x="2712586" y="1616602"/>
+              <a:chExt cx="2257305" cy="478760"/>
+            </a:xfrm>
+          </p:grpSpPr>
+          <p:sp>
+            <p:nvSpPr>
+              <p:cNvPr id="58" name="矩形: 圆角 57">
+                <a:extLst>
+                  <a:ext uri="{FF2B5EF4-FFF2-40B4-BE49-F238E27FC236}">
+                    <a16:creationId xmlns:a16="http://schemas.microsoft.com/office/drawing/2014/main" id="{FFBB7BA3-7537-B35C-C06F-76452238FB05}"/>
+                  </a:ext>
+                </a:extLst>
+              </p:cNvPr>
+              <p:cNvSpPr>
+                <a:spLocks/>
+              </p:cNvSpPr>
+              <p:nvPr/>
+            </p:nvSpPr>
+            <p:spPr>
+              <a:xfrm>
+                <a:off x="2712586" y="1616602"/>
+                <a:ext cx="2257305" cy="428140"/>
+              </a:xfrm>
+              <a:prstGeom prst="roundRect">
+                <a:avLst>
+                  <a:gd name="adj" fmla="val 12161"/>
+                </a:avLst>
+              </a:prstGeom>
+              <a:solidFill>
+                <a:schemeClr val="accent5">
+                  <a:lumMod val="60000"/>
+                  <a:lumOff val="40000"/>
+                </a:schemeClr>
+              </a:solidFill>
+              <a:ln>
+                <a:noFill/>
+              </a:ln>
+            </p:spPr>
+            <p:style>
+              <a:lnRef idx="2">
+                <a:schemeClr val="accent1">
+                  <a:shade val="15000"/>
+                </a:schemeClr>
+              </a:lnRef>
+              <a:fillRef idx="1">
+                <a:schemeClr val="accent1"/>
+              </a:fillRef>
+              <a:effectRef idx="0">
+                <a:schemeClr val="accent1"/>
+              </a:effectRef>
+              <a:fontRef idx="minor">
+                <a:schemeClr val="lt1"/>
+              </a:fontRef>
+            </p:style>
+            <p:txBody>
+              <a:bodyPr rtlCol="0" anchor="ctr"/>
+              <a:lstStyle/>
+              <a:p>
+                <a:pPr algn="ctr"/>
+                <a:endParaRPr lang="zh-CN" altLang="en-US" dirty="0"/>
+              </a:p>
+            </p:txBody>
+          </p:sp>
+          <p:sp>
+            <p:nvSpPr>
+              <p:cNvPr id="59" name="矩形: 圆角 58">
+                <a:extLst>
+                  <a:ext uri="{FF2B5EF4-FFF2-40B4-BE49-F238E27FC236}">
+                    <a16:creationId xmlns:a16="http://schemas.microsoft.com/office/drawing/2014/main" id="{3AAAB3EF-687A-8FF5-5148-A334ED7B53D0}"/>
+                  </a:ext>
+                </a:extLst>
+              </p:cNvPr>
+              <p:cNvSpPr>
+                <a:spLocks/>
+              </p:cNvSpPr>
+              <p:nvPr/>
+            </p:nvSpPr>
+            <p:spPr>
+              <a:xfrm>
+                <a:off x="2712586" y="1717275"/>
+                <a:ext cx="2257305" cy="378087"/>
+              </a:xfrm>
+              <a:prstGeom prst="roundRect">
+                <a:avLst>
+                  <a:gd name="adj" fmla="val 0"/>
+                </a:avLst>
+              </a:prstGeom>
+              <a:solidFill>
+                <a:schemeClr val="accent5">
+                  <a:lumMod val="60000"/>
+                  <a:lumOff val="40000"/>
+                </a:schemeClr>
+              </a:solidFill>
+              <a:ln>
+                <a:noFill/>
+              </a:ln>
+            </p:spPr>
+            <p:style>
+              <a:lnRef idx="2">
+                <a:schemeClr val="accent1">
+                  <a:shade val="15000"/>
+                </a:schemeClr>
+              </a:lnRef>
+              <a:fillRef idx="1">
+                <a:schemeClr val="accent1"/>
+              </a:fillRef>
+              <a:effectRef idx="0">
+                <a:schemeClr val="accent1"/>
+              </a:effectRef>
+              <a:fontRef idx="minor">
+                <a:schemeClr val="lt1"/>
+              </a:fontRef>
+            </p:style>
+            <p:txBody>
+              <a:bodyPr rtlCol="0" anchor="ctr"/>
+              <a:lstStyle/>
+              <a:p>
+                <a:pPr algn="ctr"/>
+                <a:endParaRPr lang="zh-CN" altLang="en-US" dirty="0"/>
+              </a:p>
+            </p:txBody>
+          </p:sp>
+          <p:sp>
+            <p:nvSpPr>
+              <p:cNvPr id="60" name="文本框 59">
+                <a:extLst>
+                  <a:ext uri="{FF2B5EF4-FFF2-40B4-BE49-F238E27FC236}">
+                    <a16:creationId xmlns:a16="http://schemas.microsoft.com/office/drawing/2014/main" id="{E5C5F0EC-54E6-C658-6381-78542F315914}"/>
+                  </a:ext>
+                </a:extLst>
+              </p:cNvPr>
+              <p:cNvSpPr txBox="1"/>
+              <p:nvPr/>
+            </p:nvSpPr>
+            <p:spPr>
+              <a:xfrm>
+                <a:off x="2882697" y="1704007"/>
+                <a:ext cx="1864613" cy="307777"/>
+              </a:xfrm>
+              <a:prstGeom prst="rect">
+                <a:avLst/>
+              </a:prstGeom>
+              <a:noFill/>
+            </p:spPr>
+            <p:txBody>
+              <a:bodyPr wrap="none" rtlCol="0">
+                <a:spAutoFit/>
+              </a:bodyPr>
+              <a:lstStyle/>
+              <a:p>
+                <a:r>
+                  <a:rPr lang="en-US" altLang="zh-CN" sz="1400" b="1" dirty="0">
+                    <a:solidFill>
+                      <a:schemeClr val="accent5">
+                        <a:lumMod val="50000"/>
+                      </a:schemeClr>
+                    </a:solidFill>
+                    <a:latin typeface="MiSans" panose="00000500000000000000" pitchFamily="2" charset="-122"/>
+                    <a:ea typeface="MiSans" panose="00000500000000000000" pitchFamily="2" charset="-122"/>
+                  </a:rPr>
+                  <a:t>Crazy Screenshot</a:t>
+                </a:r>
+                <a:endParaRPr lang="zh-CN" altLang="en-US" sz="1400" b="1" dirty="0">
+                  <a:solidFill>
+                    <a:schemeClr val="accent5">
+                      <a:lumMod val="50000"/>
+                    </a:schemeClr>
+                  </a:solidFill>
+                  <a:latin typeface="MiSans" panose="00000500000000000000" pitchFamily="2" charset="-122"/>
+                  <a:ea typeface="MiSans" panose="00000500000000000000" pitchFamily="2" charset="-122"/>
+                </a:endParaRPr>
+              </a:p>
+            </p:txBody>
+          </p:sp>
+        </p:grpSp>
+        <p:sp>
+          <p:nvSpPr>
+            <p:cNvPr id="61" name="文本框 60">
+              <a:extLst>
+                <a:ext uri="{FF2B5EF4-FFF2-40B4-BE49-F238E27FC236}">
+                  <a16:creationId xmlns:a16="http://schemas.microsoft.com/office/drawing/2014/main" id="{3EDA7F52-408A-D522-7726-C937E55E7D3C}"/>
+                </a:ext>
+              </a:extLst>
+            </p:cNvPr>
+            <p:cNvSpPr txBox="1"/>
+            <p:nvPr/>
+          </p:nvSpPr>
+          <p:spPr>
+            <a:xfrm>
+              <a:off x="6346663" y="3032042"/>
+              <a:ext cx="1032644" cy="276999"/>
+            </a:xfrm>
+            <a:prstGeom prst="rect">
+              <a:avLst/>
+            </a:prstGeom>
+            <a:noFill/>
+          </p:spPr>
+          <p:txBody>
+            <a:bodyPr wrap="square">
+              <a:spAutoFit/>
+            </a:bodyPr>
+            <a:lstStyle/>
+            <a:p>
+              <a:r>
+                <a:rPr lang="en-US" altLang="zh-CN" sz="1200" b="1" dirty="0">
+                  <a:solidFill>
+                    <a:schemeClr val="bg1"/>
+                  </a:solidFill>
+                  <a:latin typeface="Arial" panose="020B0604020202020204" pitchFamily="34" charset="0"/>
+                </a:rPr>
+                <a:t>Double </a:t>
+              </a:r>
+              <a:r>
+                <a:rPr lang="en-US" altLang="zh-CN" sz="1200" b="1" dirty="0" err="1">
+                  <a:solidFill>
+                    <a:schemeClr val="bg1"/>
+                  </a:solidFill>
+                  <a:latin typeface="Arial" panose="020B0604020202020204" pitchFamily="34" charset="0"/>
+                </a:rPr>
+                <a:t>Clik</a:t>
+              </a:r>
+              <a:r>
+                <a:rPr lang="en-US" altLang="zh-CN" sz="1200" b="1" dirty="0">
+                  <a:solidFill>
+                    <a:schemeClr val="bg1"/>
+                  </a:solidFill>
+                  <a:latin typeface="Arial" panose="020B0604020202020204" pitchFamily="34" charset="0"/>
+                </a:rPr>
+                <a:t>:</a:t>
+              </a:r>
+            </a:p>
+          </p:txBody>
+        </p:sp>
+        <p:sp>
+          <p:nvSpPr>
+            <p:cNvPr id="62" name="矩形: 圆角 61">
+              <a:extLst>
+                <a:ext uri="{FF2B5EF4-FFF2-40B4-BE49-F238E27FC236}">
+                  <a16:creationId xmlns:a16="http://schemas.microsoft.com/office/drawing/2014/main" id="{C0DF3B71-1777-1CC1-32EF-D91D3E002856}"/>
+                </a:ext>
+              </a:extLst>
+            </p:cNvPr>
+            <p:cNvSpPr/>
+            <p:nvPr/>
+          </p:nvSpPr>
+          <p:spPr>
+            <a:xfrm>
+              <a:off x="7379307" y="3080924"/>
+              <a:ext cx="179235" cy="179235"/>
+            </a:xfrm>
+            <a:prstGeom prst="roundRect">
+              <a:avLst/>
+            </a:prstGeom>
+            <a:solidFill>
+              <a:schemeClr val="accent5">
+                <a:lumMod val="60000"/>
+                <a:lumOff val="40000"/>
+              </a:schemeClr>
+            </a:solidFill>
+            <a:ln>
+              <a:noFill/>
+            </a:ln>
+          </p:spPr>
+          <p:style>
+            <a:lnRef idx="2">
+              <a:schemeClr val="accent1">
+                <a:shade val="15000"/>
+              </a:schemeClr>
+            </a:lnRef>
+            <a:fillRef idx="1">
+              <a:schemeClr val="accent1"/>
+            </a:fillRef>
+            <a:effectRef idx="0">
+              <a:schemeClr val="accent1"/>
+            </a:effectRef>
+            <a:fontRef idx="minor">
+              <a:schemeClr val="lt1"/>
+            </a:fontRef>
+          </p:style>
+          <p:txBody>
+            <a:bodyPr rtlCol="0" anchor="ctr"/>
+            <a:lstStyle/>
+            <a:p>
+              <a:pPr algn="ctr"/>
+              <a:endParaRPr lang="zh-CN" altLang="en-US" dirty="0"/>
+            </a:p>
+          </p:txBody>
+        </p:sp>
+        <p:sp>
+          <p:nvSpPr>
+            <p:cNvPr id="63" name="文本框 62">
+              <a:extLst>
+                <a:ext uri="{FF2B5EF4-FFF2-40B4-BE49-F238E27FC236}">
+                  <a16:creationId xmlns:a16="http://schemas.microsoft.com/office/drawing/2014/main" id="{AFE6290A-E1C3-911F-E9C5-AD9B4EFA382D}"/>
+                </a:ext>
+              </a:extLst>
+            </p:cNvPr>
+            <p:cNvSpPr txBox="1"/>
+            <p:nvPr/>
+          </p:nvSpPr>
+          <p:spPr>
+            <a:xfrm>
+              <a:off x="6346663" y="3369565"/>
+              <a:ext cx="1032644" cy="276999"/>
+            </a:xfrm>
+            <a:prstGeom prst="rect">
+              <a:avLst/>
+            </a:prstGeom>
+            <a:noFill/>
+          </p:spPr>
+          <p:txBody>
+            <a:bodyPr wrap="square">
+              <a:spAutoFit/>
+            </a:bodyPr>
+            <a:lstStyle/>
+            <a:p>
+              <a:pPr algn="r"/>
+              <a:r>
+                <a:rPr lang="en-US" altLang="zh-CN" sz="1200" b="1" dirty="0">
+                  <a:solidFill>
+                    <a:schemeClr val="bg1"/>
+                  </a:solidFill>
+                  <a:latin typeface="Arial" panose="020B0604020202020204" pitchFamily="34" charset="0"/>
+                </a:rPr>
+                <a:t>Captured:</a:t>
+              </a:r>
+            </a:p>
+          </p:txBody>
+        </p:sp>
+        <p:sp>
+          <p:nvSpPr>
+            <p:cNvPr id="3" name="矩形: 圆角 2">
+              <a:extLst>
+                <a:ext uri="{FF2B5EF4-FFF2-40B4-BE49-F238E27FC236}">
+                  <a16:creationId xmlns:a16="http://schemas.microsoft.com/office/drawing/2014/main" id="{ED53E5BD-8BB1-FA50-ECA6-F9E679ED02A5}"/>
+                </a:ext>
+              </a:extLst>
+            </p:cNvPr>
+            <p:cNvSpPr>
+              <a:spLocks/>
+            </p:cNvSpPr>
+            <p:nvPr/>
+          </p:nvSpPr>
+          <p:spPr>
+            <a:xfrm>
+              <a:off x="7379307" y="3389418"/>
+              <a:ext cx="844086" cy="237293"/>
+            </a:xfrm>
+            <a:prstGeom prst="roundRect">
+              <a:avLst>
+                <a:gd name="adj" fmla="val 12161"/>
+              </a:avLst>
+            </a:prstGeom>
+            <a:solidFill>
+              <a:schemeClr val="accent5">
+                <a:lumMod val="60000"/>
+                <a:lumOff val="40000"/>
+              </a:schemeClr>
+            </a:solidFill>
+            <a:ln>
+              <a:noFill/>
+            </a:ln>
+          </p:spPr>
+          <p:style>
+            <a:lnRef idx="2">
+              <a:schemeClr val="accent1">
+                <a:shade val="15000"/>
+              </a:schemeClr>
+            </a:lnRef>
+            <a:fillRef idx="1">
+              <a:schemeClr val="accent1"/>
+            </a:fillRef>
+            <a:effectRef idx="0">
+              <a:schemeClr val="accent1"/>
+            </a:effectRef>
+            <a:fontRef idx="minor">
+              <a:schemeClr val="lt1"/>
+            </a:fontRef>
+          </p:style>
+          <p:txBody>
+            <a:bodyPr rtlCol="0" anchor="ctr"/>
+            <a:lstStyle/>
+            <a:p>
+              <a:pPr algn="ctr"/>
+              <a:r>
+                <a:rPr lang="en-US" altLang="zh-CN" sz="1400" dirty="0">
+                  <a:solidFill>
+                    <a:schemeClr val="accent5">
+                      <a:lumMod val="50000"/>
+                    </a:schemeClr>
+                  </a:solidFill>
+                </a:rPr>
+                <a:t>0</a:t>
+              </a:r>
+              <a:endParaRPr lang="zh-CN" altLang="en-US" sz="1400" dirty="0">
+                <a:solidFill>
+                  <a:schemeClr val="accent5">
+                    <a:lumMod val="50000"/>
+                  </a:schemeClr>
+                </a:solidFill>
+              </a:endParaRPr>
+            </a:p>
+          </p:txBody>
+        </p:sp>
+        <p:sp>
+          <p:nvSpPr>
+            <p:cNvPr id="10" name="矩形: 圆角 9">
+              <a:extLst>
+                <a:ext uri="{FF2B5EF4-FFF2-40B4-BE49-F238E27FC236}">
+                  <a16:creationId xmlns:a16="http://schemas.microsoft.com/office/drawing/2014/main" id="{48FA7972-DDE7-76BE-57AE-8908E49FF869}"/>
+                </a:ext>
+              </a:extLst>
+            </p:cNvPr>
+            <p:cNvSpPr>
+              <a:spLocks/>
+            </p:cNvSpPr>
+            <p:nvPr/>
+          </p:nvSpPr>
+          <p:spPr>
+            <a:xfrm>
+              <a:off x="7714667" y="3080924"/>
+              <a:ext cx="505412" cy="179236"/>
+            </a:xfrm>
+            <a:prstGeom prst="roundRect">
+              <a:avLst>
+                <a:gd name="adj" fmla="val 12161"/>
+              </a:avLst>
+            </a:prstGeom>
+            <a:solidFill>
+              <a:schemeClr val="accent5">
+                <a:lumMod val="60000"/>
+                <a:lumOff val="40000"/>
+              </a:schemeClr>
+            </a:solidFill>
+            <a:ln>
+              <a:noFill/>
+            </a:ln>
+          </p:spPr>
+          <p:style>
+            <a:lnRef idx="2">
+              <a:schemeClr val="accent1">
+                <a:shade val="15000"/>
+              </a:schemeClr>
+            </a:lnRef>
+            <a:fillRef idx="1">
+              <a:schemeClr val="accent1"/>
+            </a:fillRef>
+            <a:effectRef idx="0">
+              <a:schemeClr val="accent1"/>
+            </a:effectRef>
+            <a:fontRef idx="minor">
+              <a:schemeClr val="lt1"/>
+            </a:fontRef>
+          </p:style>
+          <p:txBody>
+            <a:bodyPr rtlCol="0" anchor="ctr"/>
+            <a:lstStyle/>
+            <a:p>
+              <a:pPr algn="ctr"/>
+              <a:r>
+                <a:rPr lang="en-US" altLang="zh-CN" sz="800" b="1" dirty="0">
+                  <a:solidFill>
+                    <a:schemeClr val="accent5">
+                      <a:lumMod val="50000"/>
+                    </a:schemeClr>
+                  </a:solidFill>
+                  <a:latin typeface="MiSans" panose="00000500000000000000" pitchFamily="2" charset="-122"/>
+                  <a:ea typeface="MiSans" panose="00000500000000000000" pitchFamily="2" charset="-122"/>
+                </a:rPr>
+                <a:t>Reset</a:t>
+              </a:r>
+              <a:endParaRPr lang="zh-CN" altLang="en-US" sz="800" b="1" dirty="0">
+                <a:solidFill>
+                  <a:schemeClr val="accent5">
+                    <a:lumMod val="50000"/>
+                  </a:schemeClr>
+                </a:solidFill>
+                <a:latin typeface="MiSans" panose="00000500000000000000" pitchFamily="2" charset="-122"/>
+                <a:ea typeface="MiSans" panose="00000500000000000000" pitchFamily="2" charset="-122"/>
+              </a:endParaRPr>
+            </a:p>
+          </p:txBody>
+        </p:sp>
+      </p:grpSp>
+    </p:spTree>
+    <p:extLst>
+      <p:ext uri="{BB962C8B-B14F-4D97-AF65-F5344CB8AC3E}">
+        <p14:creationId xmlns:p14="http://schemas.microsoft.com/office/powerpoint/2010/main" val="1637290522"/>
+      </p:ext>
+    </p:extLst>
+  </p:cSld>
+  <p:clrMapOvr>
+    <a:masterClrMapping/>
+  </p:clrMapOvr>
+</p:sld>
+</file>
+
 <file path=ppt/theme/theme1.xml><?xml version="1.0" encoding="utf-8"?>
 <a:theme xmlns:a="http://schemas.openxmlformats.org/drawingml/2006/main" name="WPS">
   <a:themeElements>
